--- a/string/fig/fig.pptx
+++ b/string/fig/fig.pptx
@@ -6,6 +6,7 @@
   </p:sldMasterIdLst>
   <p:sldIdLst>
     <p:sldId id="256" r:id="rId2"/>
+    <p:sldId id="257" r:id="rId3"/>
   </p:sldIdLst>
   <p:sldSz cx="9144000" cy="6858000" type="screen4x3"/>
   <p:notesSz cx="6858000" cy="9144000"/>
@@ -2196,6 +2197,1065 @@
   <p:clrMapOvr>
     <a:masterClrMapping/>
   </p:clrMapOvr>
+  <p:timing>
+    <p:tnLst>
+      <p:par>
+        <p:cTn id="1" dur="indefinite" restart="never" nodeType="tmRoot"/>
+      </p:par>
+    </p:tnLst>
+  </p:timing>
+</p:sld>
+</file>
+
+<file path=ppt/slides/slide2.xml><?xml version="1.0" encoding="utf-8"?>
+<p:sld xmlns:a="http://schemas.openxmlformats.org/drawingml/2006/main" xmlns:r="http://schemas.openxmlformats.org/officeDocument/2006/relationships" xmlns:p="http://schemas.openxmlformats.org/presentationml/2006/main">
+  <p:cSld>
+    <p:spTree>
+      <p:nvGrpSpPr>
+        <p:cNvPr id="1" name=""/>
+        <p:cNvGrpSpPr/>
+        <p:nvPr/>
+      </p:nvGrpSpPr>
+      <p:grpSpPr>
+        <a:xfrm>
+          <a:off x="0" y="0"/>
+          <a:ext cx="0" cy="0"/>
+          <a:chOff x="0" y="0"/>
+          <a:chExt cx="0" cy="0"/>
+        </a:xfrm>
+      </p:grpSpPr>
+      <p:sp>
+        <p:nvSpPr>
+          <p:cNvPr id="2" name="テキスト ボックス 1"/>
+          <p:cNvSpPr txBox="1"/>
+          <p:nvPr/>
+        </p:nvSpPr>
+        <p:spPr>
+          <a:xfrm>
+            <a:off x="627966" y="1792150"/>
+            <a:ext cx="2403222" cy="1754326"/>
+          </a:xfrm>
+          <a:prstGeom prst="rect">
+            <a:avLst/>
+          </a:prstGeom>
+          <a:noFill/>
+        </p:spPr>
+        <p:txBody>
+          <a:bodyPr wrap="none" rtlCol="0">
+            <a:spAutoFit/>
+          </a:bodyPr>
+          <a:lstStyle/>
+          <a:p>
+            <a:r>
+              <a:rPr kumimoji="1" lang="en-US" altLang="ja-JP" sz="3600" dirty="0" smtClean="0">
+                <a:latin typeface="Courier New" panose="02070309020205020404" pitchFamily="49" charset="0"/>
+                <a:ea typeface="ＭＳ ゴシック" panose="020B0609070205080204" pitchFamily="49" charset="-128"/>
+                <a:cs typeface="Courier New" panose="02070309020205020404" pitchFamily="49" charset="0"/>
+              </a:rPr>
+              <a:t>1110</a:t>
+            </a:r>
+            <a:r>
+              <a:rPr kumimoji="1" lang="en-US" altLang="ja-JP" sz="3600" dirty="0" smtClean="0">
+                <a:solidFill>
+                  <a:srgbClr val="FF0000"/>
+                </a:solidFill>
+                <a:latin typeface="Courier New" panose="02070309020205020404" pitchFamily="49" charset="0"/>
+                <a:ea typeface="ＭＳ ゴシック" panose="020B0609070205080204" pitchFamily="49" charset="-128"/>
+                <a:cs typeface="Courier New" panose="02070309020205020404" pitchFamily="49" charset="0"/>
+              </a:rPr>
+              <a:t>AAAA</a:t>
+            </a:r>
+          </a:p>
+          <a:p>
+            <a:r>
+              <a:rPr lang="en-US" altLang="ja-JP" sz="3600" dirty="0" smtClean="0">
+                <a:latin typeface="Courier New" panose="02070309020205020404" pitchFamily="49" charset="0"/>
+                <a:ea typeface="ＭＳ ゴシック" panose="020B0609070205080204" pitchFamily="49" charset="-128"/>
+                <a:cs typeface="Courier New" panose="02070309020205020404" pitchFamily="49" charset="0"/>
+              </a:rPr>
+              <a:t>10</a:t>
+            </a:r>
+            <a:r>
+              <a:rPr lang="en-US" altLang="ja-JP" sz="3600" dirty="0" smtClean="0">
+                <a:solidFill>
+                  <a:schemeClr val="accent1"/>
+                </a:solidFill>
+                <a:latin typeface="Courier New" panose="02070309020205020404" pitchFamily="49" charset="0"/>
+                <a:ea typeface="ＭＳ ゴシック" panose="020B0609070205080204" pitchFamily="49" charset="-128"/>
+                <a:cs typeface="Courier New" panose="02070309020205020404" pitchFamily="49" charset="0"/>
+              </a:rPr>
+              <a:t>BBBB</a:t>
+            </a:r>
+            <a:r>
+              <a:rPr lang="en-US" altLang="ja-JP" sz="3600" dirty="0" smtClean="0">
+                <a:solidFill>
+                  <a:srgbClr val="FFC000"/>
+                </a:solidFill>
+                <a:latin typeface="Courier New" panose="02070309020205020404" pitchFamily="49" charset="0"/>
+                <a:ea typeface="ＭＳ ゴシック" panose="020B0609070205080204" pitchFamily="49" charset="-128"/>
+                <a:cs typeface="Courier New" panose="02070309020205020404" pitchFamily="49" charset="0"/>
+              </a:rPr>
+              <a:t>CC</a:t>
+            </a:r>
+          </a:p>
+          <a:p>
+            <a:r>
+              <a:rPr kumimoji="1" lang="en-US" altLang="ja-JP" sz="3600" dirty="0" smtClean="0">
+                <a:latin typeface="Courier New" panose="02070309020205020404" pitchFamily="49" charset="0"/>
+                <a:ea typeface="ＭＳ ゴシック" panose="020B0609070205080204" pitchFamily="49" charset="-128"/>
+                <a:cs typeface="Courier New" panose="02070309020205020404" pitchFamily="49" charset="0"/>
+              </a:rPr>
+              <a:t>10</a:t>
+            </a:r>
+            <a:r>
+              <a:rPr kumimoji="1" lang="en-US" altLang="ja-JP" sz="3600" dirty="0" smtClean="0">
+                <a:solidFill>
+                  <a:srgbClr val="FFC000"/>
+                </a:solidFill>
+                <a:latin typeface="Courier New" panose="02070309020205020404" pitchFamily="49" charset="0"/>
+                <a:ea typeface="ＭＳ ゴシック" panose="020B0609070205080204" pitchFamily="49" charset="-128"/>
+                <a:cs typeface="Courier New" panose="02070309020205020404" pitchFamily="49" charset="0"/>
+              </a:rPr>
+              <a:t>CC</a:t>
+            </a:r>
+            <a:r>
+              <a:rPr kumimoji="1" lang="en-US" altLang="ja-JP" sz="3600" dirty="0" smtClean="0">
+                <a:solidFill>
+                  <a:srgbClr val="92D050"/>
+                </a:solidFill>
+                <a:latin typeface="Courier New" panose="02070309020205020404" pitchFamily="49" charset="0"/>
+                <a:ea typeface="ＭＳ ゴシック" panose="020B0609070205080204" pitchFamily="49" charset="-128"/>
+                <a:cs typeface="Courier New" panose="02070309020205020404" pitchFamily="49" charset="0"/>
+              </a:rPr>
+              <a:t>DDDD</a:t>
+            </a:r>
+            <a:endParaRPr kumimoji="1" lang="ja-JP" altLang="en-US" sz="3600" dirty="0">
+              <a:solidFill>
+                <a:srgbClr val="92D050"/>
+              </a:solidFill>
+              <a:latin typeface="Courier New" panose="02070309020205020404" pitchFamily="49" charset="0"/>
+              <a:ea typeface="ＭＳ ゴシック" panose="020B0609070205080204" pitchFamily="49" charset="-128"/>
+              <a:cs typeface="Courier New" panose="02070309020205020404" pitchFamily="49" charset="0"/>
+            </a:endParaRPr>
+          </a:p>
+        </p:txBody>
+      </p:sp>
+      <p:sp>
+        <p:nvSpPr>
+          <p:cNvPr id="3" name="テキスト ボックス 2"/>
+          <p:cNvSpPr txBox="1"/>
+          <p:nvPr/>
+        </p:nvSpPr>
+        <p:spPr>
+          <a:xfrm>
+            <a:off x="2165700" y="161883"/>
+            <a:ext cx="5336498" cy="584775"/>
+          </a:xfrm>
+          <a:prstGeom prst="rect">
+            <a:avLst/>
+          </a:prstGeom>
+          <a:noFill/>
+        </p:spPr>
+        <p:txBody>
+          <a:bodyPr wrap="square" rtlCol="0">
+            <a:spAutoFit/>
+          </a:bodyPr>
+          <a:lstStyle/>
+          <a:p>
+            <a:r>
+              <a:rPr kumimoji="1" lang="en-US" altLang="ja-JP" sz="3200" dirty="0" smtClean="0"/>
+              <a:t>UTF-8</a:t>
+            </a:r>
+            <a:r>
+              <a:rPr lang="ja-JP" altLang="en-US" sz="3200" dirty="0" smtClean="0"/>
+              <a:t>における</a:t>
+            </a:r>
+            <a:r>
+              <a:rPr kumimoji="1" lang="en-US" altLang="ja-JP" sz="3200" dirty="0" smtClean="0"/>
+              <a:t>3</a:t>
+            </a:r>
+            <a:r>
+              <a:rPr kumimoji="1" lang="ja-JP" altLang="en-US" sz="3200" dirty="0" smtClean="0"/>
+              <a:t>バイト表現</a:t>
+            </a:r>
+            <a:endParaRPr kumimoji="1" lang="ja-JP" altLang="en-US" sz="3200" dirty="0"/>
+          </a:p>
+        </p:txBody>
+      </p:sp>
+      <p:sp>
+        <p:nvSpPr>
+          <p:cNvPr id="7" name="テキスト ボックス 6"/>
+          <p:cNvSpPr txBox="1"/>
+          <p:nvPr/>
+        </p:nvSpPr>
+        <p:spPr>
+          <a:xfrm>
+            <a:off x="311519" y="1129914"/>
+            <a:ext cx="3071675" cy="369332"/>
+          </a:xfrm>
+          <a:prstGeom prst="rect">
+            <a:avLst/>
+          </a:prstGeom>
+          <a:noFill/>
+        </p:spPr>
+        <p:txBody>
+          <a:bodyPr wrap="none" rtlCol="0">
+            <a:spAutoFit/>
+          </a:bodyPr>
+          <a:lstStyle/>
+          <a:p>
+            <a:r>
+              <a:rPr lang="ja-JP" altLang="en-US" dirty="0" smtClean="0"/>
+              <a:t>連続する</a:t>
+            </a:r>
+            <a:r>
+              <a:rPr lang="en-US" altLang="ja-JP" dirty="0" smtClean="0"/>
+              <a:t>1</a:t>
+            </a:r>
+            <a:r>
+              <a:rPr lang="ja-JP" altLang="en-US" dirty="0" smtClean="0"/>
+              <a:t>がバイト数を表現</a:t>
+            </a:r>
+            <a:endParaRPr kumimoji="1" lang="ja-JP" altLang="en-US" dirty="0"/>
+          </a:p>
+        </p:txBody>
+      </p:sp>
+      <p:sp>
+        <p:nvSpPr>
+          <p:cNvPr id="8" name="角丸四角形 7"/>
+          <p:cNvSpPr/>
+          <p:nvPr/>
+        </p:nvSpPr>
+        <p:spPr>
+          <a:xfrm>
+            <a:off x="699446" y="2449295"/>
+            <a:ext cx="554181" cy="997527"/>
+          </a:xfrm>
+          <a:prstGeom prst="roundRect">
+            <a:avLst/>
+          </a:prstGeom>
+          <a:noFill/>
+          <a:ln>
+            <a:solidFill>
+              <a:schemeClr val="tx1"/>
+            </a:solidFill>
+          </a:ln>
+        </p:spPr>
+        <p:style>
+          <a:lnRef idx="2">
+            <a:schemeClr val="accent1">
+              <a:shade val="50000"/>
+            </a:schemeClr>
+          </a:lnRef>
+          <a:fillRef idx="1">
+            <a:schemeClr val="accent1"/>
+          </a:fillRef>
+          <a:effectRef idx="0">
+            <a:schemeClr val="accent1"/>
+          </a:effectRef>
+          <a:fontRef idx="minor">
+            <a:schemeClr val="lt1"/>
+          </a:fontRef>
+        </p:style>
+        <p:txBody>
+          <a:bodyPr rtlCol="0" anchor="ctr"/>
+          <a:lstStyle/>
+          <a:p>
+            <a:pPr algn="ctr"/>
+            <a:endParaRPr kumimoji="1" lang="ja-JP" altLang="en-US"/>
+          </a:p>
+        </p:txBody>
+      </p:sp>
+      <p:sp>
+        <p:nvSpPr>
+          <p:cNvPr id="9" name="テキスト ボックス 8"/>
+          <p:cNvSpPr txBox="1"/>
+          <p:nvPr/>
+        </p:nvSpPr>
+        <p:spPr>
+          <a:xfrm>
+            <a:off x="311519" y="3882354"/>
+            <a:ext cx="3071675" cy="369332"/>
+          </a:xfrm>
+          <a:prstGeom prst="rect">
+            <a:avLst/>
+          </a:prstGeom>
+          <a:noFill/>
+        </p:spPr>
+        <p:txBody>
+          <a:bodyPr wrap="none" rtlCol="0">
+            <a:spAutoFit/>
+          </a:bodyPr>
+          <a:lstStyle/>
+          <a:p>
+            <a:r>
+              <a:rPr kumimoji="1" lang="en-US" altLang="ja-JP" dirty="0" smtClean="0"/>
+              <a:t>2</a:t>
+            </a:r>
+            <a:r>
+              <a:rPr lang="ja-JP" altLang="en-US" dirty="0" smtClean="0"/>
+              <a:t>バイト目以降の予約ビット</a:t>
+            </a:r>
+            <a:endParaRPr kumimoji="1" lang="ja-JP" altLang="en-US" dirty="0"/>
+          </a:p>
+        </p:txBody>
+      </p:sp>
+      <p:cxnSp>
+        <p:nvCxnSpPr>
+          <p:cNvPr id="11" name="直線矢印コネクタ 10"/>
+          <p:cNvCxnSpPr>
+            <a:endCxn id="8" idx="2"/>
+          </p:cNvCxnSpPr>
+          <p:nvPr/>
+        </p:nvCxnSpPr>
+        <p:spPr>
+          <a:xfrm flipH="1" flipV="1">
+            <a:off x="976537" y="3446822"/>
+            <a:ext cx="1" cy="435532"/>
+          </a:xfrm>
+          <a:prstGeom prst="straightConnector1">
+            <a:avLst/>
+          </a:prstGeom>
+          <a:ln w="12700">
+            <a:solidFill>
+              <a:schemeClr val="tx1"/>
+            </a:solidFill>
+            <a:tailEnd type="triangle"/>
+          </a:ln>
+        </p:spPr>
+        <p:style>
+          <a:lnRef idx="1">
+            <a:schemeClr val="accent1"/>
+          </a:lnRef>
+          <a:fillRef idx="0">
+            <a:schemeClr val="accent1"/>
+          </a:fillRef>
+          <a:effectRef idx="0">
+            <a:schemeClr val="accent1"/>
+          </a:effectRef>
+          <a:fontRef idx="minor">
+            <a:schemeClr val="tx1"/>
+          </a:fontRef>
+        </p:style>
+      </p:cxnSp>
+      <p:sp>
+        <p:nvSpPr>
+          <p:cNvPr id="14" name="角丸四角形 13"/>
+          <p:cNvSpPr/>
+          <p:nvPr/>
+        </p:nvSpPr>
+        <p:spPr>
+          <a:xfrm>
+            <a:off x="699447" y="1876640"/>
+            <a:ext cx="1099127" cy="443346"/>
+          </a:xfrm>
+          <a:prstGeom prst="roundRect">
+            <a:avLst/>
+          </a:prstGeom>
+          <a:noFill/>
+          <a:ln>
+            <a:solidFill>
+              <a:schemeClr val="tx1"/>
+            </a:solidFill>
+          </a:ln>
+        </p:spPr>
+        <p:style>
+          <a:lnRef idx="2">
+            <a:schemeClr val="accent1">
+              <a:shade val="50000"/>
+            </a:schemeClr>
+          </a:lnRef>
+          <a:fillRef idx="1">
+            <a:schemeClr val="accent1"/>
+          </a:fillRef>
+          <a:effectRef idx="0">
+            <a:schemeClr val="accent1"/>
+          </a:effectRef>
+          <a:fontRef idx="minor">
+            <a:schemeClr val="lt1"/>
+          </a:fontRef>
+        </p:style>
+        <p:txBody>
+          <a:bodyPr rtlCol="0" anchor="ctr"/>
+          <a:lstStyle/>
+          <a:p>
+            <a:pPr algn="ctr"/>
+            <a:endParaRPr kumimoji="1" lang="ja-JP" altLang="en-US"/>
+          </a:p>
+        </p:txBody>
+      </p:sp>
+      <p:cxnSp>
+        <p:nvCxnSpPr>
+          <p:cNvPr id="16" name="直線矢印コネクタ 15"/>
+          <p:cNvCxnSpPr/>
+          <p:nvPr/>
+        </p:nvCxnSpPr>
+        <p:spPr>
+          <a:xfrm>
+            <a:off x="1175119" y="1470240"/>
+            <a:ext cx="0" cy="406400"/>
+          </a:xfrm>
+          <a:prstGeom prst="straightConnector1">
+            <a:avLst/>
+          </a:prstGeom>
+          <a:ln w="12700">
+            <a:solidFill>
+              <a:schemeClr val="tx1"/>
+            </a:solidFill>
+            <a:tailEnd type="triangle"/>
+          </a:ln>
+        </p:spPr>
+        <p:style>
+          <a:lnRef idx="1">
+            <a:schemeClr val="accent1"/>
+          </a:lnRef>
+          <a:fillRef idx="0">
+            <a:schemeClr val="accent1"/>
+          </a:fillRef>
+          <a:effectRef idx="0">
+            <a:schemeClr val="accent1"/>
+          </a:effectRef>
+          <a:fontRef idx="minor">
+            <a:schemeClr val="tx1"/>
+          </a:fontRef>
+        </p:style>
+      </p:cxnSp>
+      <p:sp>
+        <p:nvSpPr>
+          <p:cNvPr id="22" name="右中かっこ 21"/>
+          <p:cNvSpPr/>
+          <p:nvPr/>
+        </p:nvSpPr>
+        <p:spPr>
+          <a:xfrm>
+            <a:off x="2909360" y="1969004"/>
+            <a:ext cx="283905" cy="1385455"/>
+          </a:xfrm>
+          <a:prstGeom prst="rightBrace">
+            <a:avLst/>
+          </a:prstGeom>
+          <a:ln w="12700">
+            <a:solidFill>
+              <a:schemeClr val="tx1"/>
+            </a:solidFill>
+          </a:ln>
+        </p:spPr>
+        <p:style>
+          <a:lnRef idx="1">
+            <a:schemeClr val="accent1"/>
+          </a:lnRef>
+          <a:fillRef idx="0">
+            <a:schemeClr val="accent1"/>
+          </a:fillRef>
+          <a:effectRef idx="0">
+            <a:schemeClr val="accent1"/>
+          </a:effectRef>
+          <a:fontRef idx="minor">
+            <a:schemeClr val="tx1"/>
+          </a:fontRef>
+        </p:style>
+        <p:txBody>
+          <a:bodyPr rtlCol="0" anchor="ctr"/>
+          <a:lstStyle/>
+          <a:p>
+            <a:pPr algn="ctr"/>
+            <a:endParaRPr kumimoji="1" lang="ja-JP" altLang="en-US" dirty="0"/>
+          </a:p>
+        </p:txBody>
+      </p:sp>
+      <p:sp>
+        <p:nvSpPr>
+          <p:cNvPr id="23" name="テキスト ボックス 22"/>
+          <p:cNvSpPr txBox="1"/>
+          <p:nvPr/>
+        </p:nvSpPr>
+        <p:spPr>
+          <a:xfrm>
+            <a:off x="3189640" y="2484647"/>
+            <a:ext cx="1338828" cy="369332"/>
+          </a:xfrm>
+          <a:prstGeom prst="rect">
+            <a:avLst/>
+          </a:prstGeom>
+          <a:noFill/>
+        </p:spPr>
+        <p:txBody>
+          <a:bodyPr wrap="none" rtlCol="0">
+            <a:spAutoFit/>
+          </a:bodyPr>
+          <a:lstStyle/>
+          <a:p>
+            <a:r>
+              <a:rPr lang="ja-JP" altLang="en-US" dirty="0" smtClean="0"/>
+              <a:t>データ部分</a:t>
+            </a:r>
+            <a:endParaRPr kumimoji="1" lang="ja-JP" altLang="en-US" dirty="0"/>
+          </a:p>
+        </p:txBody>
+      </p:sp>
+      <p:sp>
+        <p:nvSpPr>
+          <p:cNvPr id="24" name="テキスト ボックス 23"/>
+          <p:cNvSpPr txBox="1"/>
+          <p:nvPr/>
+        </p:nvSpPr>
+        <p:spPr>
+          <a:xfrm>
+            <a:off x="5443405" y="987780"/>
+            <a:ext cx="2484976" cy="523220"/>
+          </a:xfrm>
+          <a:prstGeom prst="rect">
+            <a:avLst/>
+          </a:prstGeom>
+          <a:noFill/>
+        </p:spPr>
+        <p:txBody>
+          <a:bodyPr wrap="none" rtlCol="0">
+            <a:spAutoFit/>
+          </a:bodyPr>
+          <a:lstStyle/>
+          <a:p>
+            <a:r>
+              <a:rPr lang="ja-JP" altLang="en-US" sz="2800" dirty="0" smtClean="0"/>
+              <a:t>「あ」 </a:t>
+            </a:r>
+            <a:r>
+              <a:rPr lang="en-US" altLang="ja-JP" sz="2800" dirty="0" smtClean="0"/>
+              <a:t>U+3042</a:t>
+            </a:r>
+            <a:endParaRPr kumimoji="1" lang="ja-JP" altLang="en-US" sz="2800" dirty="0"/>
+          </a:p>
+        </p:txBody>
+      </p:sp>
+      <p:sp>
+        <p:nvSpPr>
+          <p:cNvPr id="25" name="テキスト ボックス 24"/>
+          <p:cNvSpPr txBox="1"/>
+          <p:nvPr/>
+        </p:nvSpPr>
+        <p:spPr>
+          <a:xfrm>
+            <a:off x="5525159" y="1789068"/>
+            <a:ext cx="2403222" cy="1754326"/>
+          </a:xfrm>
+          <a:prstGeom prst="rect">
+            <a:avLst/>
+          </a:prstGeom>
+          <a:noFill/>
+        </p:spPr>
+        <p:txBody>
+          <a:bodyPr wrap="none" rtlCol="0">
+            <a:spAutoFit/>
+          </a:bodyPr>
+          <a:lstStyle/>
+          <a:p>
+            <a:r>
+              <a:rPr kumimoji="1" lang="en-US" altLang="ja-JP" sz="3600" dirty="0" smtClean="0">
+                <a:latin typeface="Courier New" panose="02070309020205020404" pitchFamily="49" charset="0"/>
+                <a:ea typeface="ＭＳ ゴシック" panose="020B0609070205080204" pitchFamily="49" charset="-128"/>
+                <a:cs typeface="Courier New" panose="02070309020205020404" pitchFamily="49" charset="0"/>
+              </a:rPr>
+              <a:t>1110</a:t>
+            </a:r>
+            <a:r>
+              <a:rPr kumimoji="1" lang="en-US" altLang="ja-JP" sz="3600" dirty="0" smtClean="0">
+                <a:solidFill>
+                  <a:srgbClr val="FF0000"/>
+                </a:solidFill>
+                <a:latin typeface="Courier New" panose="02070309020205020404" pitchFamily="49" charset="0"/>
+                <a:ea typeface="ＭＳ ゴシック" panose="020B0609070205080204" pitchFamily="49" charset="-128"/>
+                <a:cs typeface="Courier New" panose="02070309020205020404" pitchFamily="49" charset="0"/>
+              </a:rPr>
+              <a:t>0011</a:t>
+            </a:r>
+          </a:p>
+          <a:p>
+            <a:r>
+              <a:rPr lang="en-US" altLang="ja-JP" sz="3600" dirty="0" smtClean="0">
+                <a:latin typeface="Courier New" panose="02070309020205020404" pitchFamily="49" charset="0"/>
+                <a:ea typeface="ＭＳ ゴシック" panose="020B0609070205080204" pitchFamily="49" charset="-128"/>
+                <a:cs typeface="Courier New" panose="02070309020205020404" pitchFamily="49" charset="0"/>
+              </a:rPr>
+              <a:t>10</a:t>
+            </a:r>
+            <a:r>
+              <a:rPr lang="en-US" altLang="ja-JP" sz="3600" dirty="0" smtClean="0">
+                <a:solidFill>
+                  <a:schemeClr val="accent1"/>
+                </a:solidFill>
+                <a:latin typeface="Courier New" panose="02070309020205020404" pitchFamily="49" charset="0"/>
+                <a:ea typeface="ＭＳ ゴシック" panose="020B0609070205080204" pitchFamily="49" charset="-128"/>
+                <a:cs typeface="Courier New" panose="02070309020205020404" pitchFamily="49" charset="0"/>
+              </a:rPr>
+              <a:t>0000</a:t>
+            </a:r>
+            <a:r>
+              <a:rPr lang="en-US" altLang="ja-JP" sz="3600" dirty="0" smtClean="0">
+                <a:solidFill>
+                  <a:srgbClr val="FFC000"/>
+                </a:solidFill>
+                <a:latin typeface="Courier New" panose="02070309020205020404" pitchFamily="49" charset="0"/>
+                <a:ea typeface="ＭＳ ゴシック" panose="020B0609070205080204" pitchFamily="49" charset="-128"/>
+                <a:cs typeface="Courier New" panose="02070309020205020404" pitchFamily="49" charset="0"/>
+              </a:rPr>
+              <a:t>01</a:t>
+            </a:r>
+          </a:p>
+          <a:p>
+            <a:r>
+              <a:rPr kumimoji="1" lang="en-US" altLang="ja-JP" sz="3600" dirty="0" smtClean="0">
+                <a:latin typeface="Courier New" panose="02070309020205020404" pitchFamily="49" charset="0"/>
+                <a:ea typeface="ＭＳ ゴシック" panose="020B0609070205080204" pitchFamily="49" charset="-128"/>
+                <a:cs typeface="Courier New" panose="02070309020205020404" pitchFamily="49" charset="0"/>
+              </a:rPr>
+              <a:t>10</a:t>
+            </a:r>
+            <a:r>
+              <a:rPr kumimoji="1" lang="en-US" altLang="ja-JP" sz="3600" dirty="0" smtClean="0">
+                <a:solidFill>
+                  <a:srgbClr val="FFC000"/>
+                </a:solidFill>
+                <a:latin typeface="Courier New" panose="02070309020205020404" pitchFamily="49" charset="0"/>
+                <a:ea typeface="ＭＳ ゴシック" panose="020B0609070205080204" pitchFamily="49" charset="-128"/>
+                <a:cs typeface="Courier New" panose="02070309020205020404" pitchFamily="49" charset="0"/>
+              </a:rPr>
+              <a:t>00</a:t>
+            </a:r>
+            <a:r>
+              <a:rPr kumimoji="1" lang="en-US" altLang="ja-JP" sz="3600" dirty="0" smtClean="0">
+                <a:solidFill>
+                  <a:srgbClr val="92D050"/>
+                </a:solidFill>
+                <a:latin typeface="Courier New" panose="02070309020205020404" pitchFamily="49" charset="0"/>
+                <a:ea typeface="ＭＳ ゴシック" panose="020B0609070205080204" pitchFamily="49" charset="-128"/>
+                <a:cs typeface="Courier New" panose="02070309020205020404" pitchFamily="49" charset="0"/>
+              </a:rPr>
+              <a:t>0010</a:t>
+            </a:r>
+            <a:endParaRPr kumimoji="1" lang="ja-JP" altLang="en-US" sz="3600" dirty="0">
+              <a:solidFill>
+                <a:srgbClr val="92D050"/>
+              </a:solidFill>
+              <a:latin typeface="Courier New" panose="02070309020205020404" pitchFamily="49" charset="0"/>
+              <a:ea typeface="ＭＳ ゴシック" panose="020B0609070205080204" pitchFamily="49" charset="-128"/>
+              <a:cs typeface="Courier New" panose="02070309020205020404" pitchFamily="49" charset="0"/>
+            </a:endParaRPr>
+          </a:p>
+        </p:txBody>
+      </p:sp>
+      <p:sp>
+        <p:nvSpPr>
+          <p:cNvPr id="27" name="テキスト ボックス 26"/>
+          <p:cNvSpPr txBox="1"/>
+          <p:nvPr/>
+        </p:nvSpPr>
+        <p:spPr>
+          <a:xfrm>
+            <a:off x="7928381" y="1770012"/>
+            <a:ext cx="739305" cy="1754326"/>
+          </a:xfrm>
+          <a:prstGeom prst="rect">
+            <a:avLst/>
+          </a:prstGeom>
+          <a:noFill/>
+        </p:spPr>
+        <p:txBody>
+          <a:bodyPr wrap="none" rtlCol="0">
+            <a:spAutoFit/>
+          </a:bodyPr>
+          <a:lstStyle/>
+          <a:p>
+            <a:r>
+              <a:rPr kumimoji="1" lang="en-US" altLang="ja-JP" sz="3600" dirty="0" smtClean="0">
+                <a:latin typeface="Courier New" panose="02070309020205020404" pitchFamily="49" charset="0"/>
+                <a:ea typeface="ＭＳ ゴシック" panose="020B0609070205080204" pitchFamily="49" charset="-128"/>
+                <a:cs typeface="Courier New" panose="02070309020205020404" pitchFamily="49" charset="0"/>
+              </a:rPr>
+              <a:t>E3</a:t>
+            </a:r>
+            <a:endParaRPr kumimoji="1" lang="en-US" altLang="ja-JP" sz="3600" dirty="0" smtClean="0">
+              <a:solidFill>
+                <a:srgbClr val="FF0000"/>
+              </a:solidFill>
+              <a:latin typeface="Courier New" panose="02070309020205020404" pitchFamily="49" charset="0"/>
+              <a:ea typeface="ＭＳ ゴシック" panose="020B0609070205080204" pitchFamily="49" charset="-128"/>
+              <a:cs typeface="Courier New" panose="02070309020205020404" pitchFamily="49" charset="0"/>
+            </a:endParaRPr>
+          </a:p>
+          <a:p>
+            <a:r>
+              <a:rPr lang="en-US" altLang="ja-JP" sz="3600" dirty="0" smtClean="0">
+                <a:latin typeface="Courier New" panose="02070309020205020404" pitchFamily="49" charset="0"/>
+                <a:ea typeface="ＭＳ ゴシック" panose="020B0609070205080204" pitchFamily="49" charset="-128"/>
+                <a:cs typeface="Courier New" panose="02070309020205020404" pitchFamily="49" charset="0"/>
+              </a:rPr>
+              <a:t>81</a:t>
+            </a:r>
+            <a:endParaRPr lang="en-US" altLang="ja-JP" sz="3600" dirty="0" smtClean="0">
+              <a:solidFill>
+                <a:srgbClr val="FFC000"/>
+              </a:solidFill>
+              <a:latin typeface="Courier New" panose="02070309020205020404" pitchFamily="49" charset="0"/>
+              <a:ea typeface="ＭＳ ゴシック" panose="020B0609070205080204" pitchFamily="49" charset="-128"/>
+              <a:cs typeface="Courier New" panose="02070309020205020404" pitchFamily="49" charset="0"/>
+            </a:endParaRPr>
+          </a:p>
+          <a:p>
+            <a:r>
+              <a:rPr kumimoji="1" lang="en-US" altLang="ja-JP" sz="3600" dirty="0" smtClean="0">
+                <a:latin typeface="Courier New" panose="02070309020205020404" pitchFamily="49" charset="0"/>
+                <a:ea typeface="ＭＳ ゴシック" panose="020B0609070205080204" pitchFamily="49" charset="-128"/>
+                <a:cs typeface="Courier New" panose="02070309020205020404" pitchFamily="49" charset="0"/>
+              </a:rPr>
+              <a:t>82</a:t>
+            </a:r>
+            <a:endParaRPr kumimoji="1" lang="ja-JP" altLang="en-US" sz="3600" dirty="0">
+              <a:solidFill>
+                <a:srgbClr val="92D050"/>
+              </a:solidFill>
+              <a:latin typeface="Courier New" panose="02070309020205020404" pitchFamily="49" charset="0"/>
+              <a:ea typeface="ＭＳ ゴシック" panose="020B0609070205080204" pitchFamily="49" charset="-128"/>
+              <a:cs typeface="Courier New" panose="02070309020205020404" pitchFamily="49" charset="0"/>
+            </a:endParaRPr>
+          </a:p>
+        </p:txBody>
+      </p:sp>
+      <p:sp>
+        <p:nvSpPr>
+          <p:cNvPr id="28" name="テキスト ボックス 27"/>
+          <p:cNvSpPr txBox="1"/>
+          <p:nvPr/>
+        </p:nvSpPr>
+        <p:spPr>
+          <a:xfrm>
+            <a:off x="6003292" y="4251686"/>
+            <a:ext cx="1293944" cy="2308324"/>
+          </a:xfrm>
+          <a:prstGeom prst="rect">
+            <a:avLst/>
+          </a:prstGeom>
+          <a:noFill/>
+        </p:spPr>
+        <p:txBody>
+          <a:bodyPr wrap="none" rtlCol="0">
+            <a:spAutoFit/>
+          </a:bodyPr>
+          <a:lstStyle/>
+          <a:p>
+            <a:r>
+              <a:rPr kumimoji="1" lang="en-US" altLang="ja-JP" sz="3600" dirty="0" smtClean="0">
+                <a:solidFill>
+                  <a:srgbClr val="FF0000"/>
+                </a:solidFill>
+                <a:latin typeface="Courier New" panose="02070309020205020404" pitchFamily="49" charset="0"/>
+                <a:ea typeface="ＭＳ ゴシック" panose="020B0609070205080204" pitchFamily="49" charset="-128"/>
+                <a:cs typeface="Courier New" panose="02070309020205020404" pitchFamily="49" charset="0"/>
+              </a:rPr>
+              <a:t>0011</a:t>
+            </a:r>
+          </a:p>
+          <a:p>
+            <a:r>
+              <a:rPr lang="en-US" altLang="ja-JP" sz="3600" dirty="0" smtClean="0">
+                <a:solidFill>
+                  <a:schemeClr val="accent1"/>
+                </a:solidFill>
+                <a:latin typeface="Courier New" panose="02070309020205020404" pitchFamily="49" charset="0"/>
+                <a:ea typeface="ＭＳ ゴシック" panose="020B0609070205080204" pitchFamily="49" charset="-128"/>
+                <a:cs typeface="Courier New" panose="02070309020205020404" pitchFamily="49" charset="0"/>
+              </a:rPr>
+              <a:t>0000</a:t>
+            </a:r>
+          </a:p>
+          <a:p>
+            <a:r>
+              <a:rPr lang="en-US" altLang="ja-JP" sz="3600" dirty="0" smtClean="0">
+                <a:solidFill>
+                  <a:srgbClr val="FFC000"/>
+                </a:solidFill>
+                <a:latin typeface="Courier New" panose="02070309020205020404" pitchFamily="49" charset="0"/>
+                <a:ea typeface="ＭＳ ゴシック" panose="020B0609070205080204" pitchFamily="49" charset="-128"/>
+                <a:cs typeface="Courier New" panose="02070309020205020404" pitchFamily="49" charset="0"/>
+              </a:rPr>
+              <a:t>01</a:t>
+            </a:r>
+            <a:r>
+              <a:rPr kumimoji="1" lang="en-US" altLang="ja-JP" sz="3600" dirty="0" smtClean="0">
+                <a:solidFill>
+                  <a:srgbClr val="FFC000"/>
+                </a:solidFill>
+                <a:latin typeface="Courier New" panose="02070309020205020404" pitchFamily="49" charset="0"/>
+                <a:ea typeface="ＭＳ ゴシック" panose="020B0609070205080204" pitchFamily="49" charset="-128"/>
+                <a:cs typeface="Courier New" panose="02070309020205020404" pitchFamily="49" charset="0"/>
+              </a:rPr>
+              <a:t>00</a:t>
+            </a:r>
+          </a:p>
+          <a:p>
+            <a:r>
+              <a:rPr kumimoji="1" lang="en-US" altLang="ja-JP" sz="3600" dirty="0" smtClean="0">
+                <a:solidFill>
+                  <a:srgbClr val="92D050"/>
+                </a:solidFill>
+                <a:latin typeface="Courier New" panose="02070309020205020404" pitchFamily="49" charset="0"/>
+                <a:ea typeface="ＭＳ ゴシック" panose="020B0609070205080204" pitchFamily="49" charset="-128"/>
+                <a:cs typeface="Courier New" panose="02070309020205020404" pitchFamily="49" charset="0"/>
+              </a:rPr>
+              <a:t>0010</a:t>
+            </a:r>
+            <a:endParaRPr kumimoji="1" lang="ja-JP" altLang="en-US" sz="3600" dirty="0">
+              <a:solidFill>
+                <a:srgbClr val="92D050"/>
+              </a:solidFill>
+              <a:latin typeface="Courier New" panose="02070309020205020404" pitchFamily="49" charset="0"/>
+              <a:ea typeface="ＭＳ ゴシック" panose="020B0609070205080204" pitchFamily="49" charset="-128"/>
+              <a:cs typeface="Courier New" panose="02070309020205020404" pitchFamily="49" charset="0"/>
+            </a:endParaRPr>
+          </a:p>
+        </p:txBody>
+      </p:sp>
+      <p:sp>
+        <p:nvSpPr>
+          <p:cNvPr id="29" name="テキスト ボックス 28"/>
+          <p:cNvSpPr txBox="1"/>
+          <p:nvPr/>
+        </p:nvSpPr>
+        <p:spPr>
+          <a:xfrm>
+            <a:off x="5443405" y="4251686"/>
+            <a:ext cx="461986" cy="2308324"/>
+          </a:xfrm>
+          <a:prstGeom prst="rect">
+            <a:avLst/>
+          </a:prstGeom>
+          <a:noFill/>
+        </p:spPr>
+        <p:txBody>
+          <a:bodyPr wrap="none" rtlCol="0">
+            <a:spAutoFit/>
+          </a:bodyPr>
+          <a:lstStyle/>
+          <a:p>
+            <a:r>
+              <a:rPr kumimoji="1" lang="en-US" altLang="ja-JP" sz="3600" dirty="0" smtClean="0">
+                <a:latin typeface="Courier New" panose="02070309020205020404" pitchFamily="49" charset="0"/>
+                <a:ea typeface="ＭＳ ゴシック" panose="020B0609070205080204" pitchFamily="49" charset="-128"/>
+                <a:cs typeface="Courier New" panose="02070309020205020404" pitchFamily="49" charset="0"/>
+              </a:rPr>
+              <a:t>3</a:t>
+            </a:r>
+            <a:endParaRPr lang="en-US" altLang="ja-JP" sz="3600" dirty="0" smtClean="0">
+              <a:latin typeface="Courier New" panose="02070309020205020404" pitchFamily="49" charset="0"/>
+              <a:ea typeface="ＭＳ ゴシック" panose="020B0609070205080204" pitchFamily="49" charset="-128"/>
+              <a:cs typeface="Courier New" panose="02070309020205020404" pitchFamily="49" charset="0"/>
+            </a:endParaRPr>
+          </a:p>
+          <a:p>
+            <a:r>
+              <a:rPr kumimoji="1" lang="en-US" altLang="ja-JP" sz="3600" dirty="0" smtClean="0">
+                <a:latin typeface="Courier New" panose="02070309020205020404" pitchFamily="49" charset="0"/>
+                <a:ea typeface="ＭＳ ゴシック" panose="020B0609070205080204" pitchFamily="49" charset="-128"/>
+                <a:cs typeface="Courier New" panose="02070309020205020404" pitchFamily="49" charset="0"/>
+              </a:rPr>
+              <a:t>0</a:t>
+            </a:r>
+          </a:p>
+          <a:p>
+            <a:r>
+              <a:rPr lang="en-US" altLang="ja-JP" sz="3600" dirty="0" smtClean="0">
+                <a:latin typeface="Courier New" panose="02070309020205020404" pitchFamily="49" charset="0"/>
+                <a:ea typeface="ＭＳ ゴシック" panose="020B0609070205080204" pitchFamily="49" charset="-128"/>
+                <a:cs typeface="Courier New" panose="02070309020205020404" pitchFamily="49" charset="0"/>
+              </a:rPr>
+              <a:t>4</a:t>
+            </a:r>
+          </a:p>
+          <a:p>
+            <a:r>
+              <a:rPr kumimoji="1" lang="en-US" altLang="ja-JP" sz="3600" dirty="0">
+                <a:latin typeface="Courier New" panose="02070309020205020404" pitchFamily="49" charset="0"/>
+                <a:ea typeface="ＭＳ ゴシック" panose="020B0609070205080204" pitchFamily="49" charset="-128"/>
+                <a:cs typeface="Courier New" panose="02070309020205020404" pitchFamily="49" charset="0"/>
+              </a:rPr>
+              <a:t>2</a:t>
+            </a:r>
+            <a:endParaRPr kumimoji="1" lang="en-US" altLang="ja-JP" sz="3600" dirty="0" smtClean="0">
+              <a:latin typeface="Courier New" panose="02070309020205020404" pitchFamily="49" charset="0"/>
+              <a:ea typeface="ＭＳ ゴシック" panose="020B0609070205080204" pitchFamily="49" charset="-128"/>
+              <a:cs typeface="Courier New" panose="02070309020205020404" pitchFamily="49" charset="0"/>
+            </a:endParaRPr>
+          </a:p>
+        </p:txBody>
+      </p:sp>
+      <p:sp>
+        <p:nvSpPr>
+          <p:cNvPr id="30" name="テキスト ボックス 29"/>
+          <p:cNvSpPr txBox="1"/>
+          <p:nvPr/>
+        </p:nvSpPr>
+        <p:spPr>
+          <a:xfrm>
+            <a:off x="311519" y="5092448"/>
+            <a:ext cx="4639412" cy="523220"/>
+          </a:xfrm>
+          <a:prstGeom prst="rect">
+            <a:avLst/>
+          </a:prstGeom>
+          <a:noFill/>
+        </p:spPr>
+        <p:txBody>
+          <a:bodyPr wrap="none" rtlCol="0">
+            <a:spAutoFit/>
+          </a:bodyPr>
+          <a:lstStyle/>
+          <a:p>
+            <a:r>
+              <a:rPr lang="ja-JP" altLang="en-US" sz="2800" dirty="0" smtClean="0"/>
+              <a:t>「あ」 </a:t>
+            </a:r>
+            <a:r>
+              <a:rPr lang="en-US" altLang="ja-JP" sz="2800" dirty="0" smtClean="0"/>
+              <a:t>U+3042</a:t>
+            </a:r>
+            <a:r>
+              <a:rPr kumimoji="1" lang="ja-JP" altLang="en-US" sz="2800" dirty="0" smtClean="0"/>
+              <a:t>のビット表現</a:t>
+            </a:r>
+            <a:endParaRPr kumimoji="1" lang="ja-JP" altLang="en-US" sz="2800" dirty="0"/>
+          </a:p>
+        </p:txBody>
+      </p:sp>
+      <p:sp>
+        <p:nvSpPr>
+          <p:cNvPr id="31" name="右矢印 30">
+            <a:extLst>
+              <a:ext uri="{FF2B5EF4-FFF2-40B4-BE49-F238E27FC236}">
+                <a16:creationId xmlns:a16="http://schemas.microsoft.com/office/drawing/2014/main" id="{5DDD1BD1-01F9-1748-921F-3FBC5694163E}"/>
+              </a:ext>
+            </a:extLst>
+          </p:cNvPr>
+          <p:cNvSpPr/>
+          <p:nvPr/>
+        </p:nvSpPr>
+        <p:spPr>
+          <a:xfrm rot="13500000">
+            <a:off x="4250300" y="3706830"/>
+            <a:ext cx="467360" cy="426720"/>
+          </a:xfrm>
+          <a:prstGeom prst="rightArrow">
+            <a:avLst>
+              <a:gd name="adj1" fmla="val 50000"/>
+              <a:gd name="adj2" fmla="val 57653"/>
+            </a:avLst>
+          </a:prstGeom>
+          <a:solidFill>
+            <a:srgbClr val="FF0000"/>
+          </a:solidFill>
+          <a:ln>
+            <a:solidFill>
+              <a:schemeClr val="tx1"/>
+            </a:solidFill>
+          </a:ln>
+        </p:spPr>
+        <p:style>
+          <a:lnRef idx="2">
+            <a:schemeClr val="accent1">
+              <a:shade val="50000"/>
+            </a:schemeClr>
+          </a:lnRef>
+          <a:fillRef idx="1">
+            <a:schemeClr val="accent1"/>
+          </a:fillRef>
+          <a:effectRef idx="0">
+            <a:schemeClr val="accent1"/>
+          </a:effectRef>
+          <a:fontRef idx="minor">
+            <a:schemeClr val="lt1"/>
+          </a:fontRef>
+        </p:style>
+        <p:txBody>
+          <a:bodyPr rtlCol="0" anchor="ctr"/>
+          <a:lstStyle/>
+          <a:p>
+            <a:pPr algn="ctr"/>
+            <a:endParaRPr kumimoji="1" lang="ja-JP" altLang="en-US"/>
+          </a:p>
+        </p:txBody>
+      </p:sp>
+      <p:sp>
+        <p:nvSpPr>
+          <p:cNvPr id="32" name="右矢印 31">
+            <a:extLst>
+              <a:ext uri="{FF2B5EF4-FFF2-40B4-BE49-F238E27FC236}">
+                <a16:creationId xmlns:a16="http://schemas.microsoft.com/office/drawing/2014/main" id="{5DDD1BD1-01F9-1748-921F-3FBC5694163E}"/>
+              </a:ext>
+            </a:extLst>
+          </p:cNvPr>
+          <p:cNvSpPr/>
+          <p:nvPr/>
+        </p:nvSpPr>
+        <p:spPr>
+          <a:xfrm>
+            <a:off x="4800085" y="2413190"/>
+            <a:ext cx="467360" cy="426720"/>
+          </a:xfrm>
+          <a:prstGeom prst="rightArrow">
+            <a:avLst>
+              <a:gd name="adj1" fmla="val 50000"/>
+              <a:gd name="adj2" fmla="val 57653"/>
+            </a:avLst>
+          </a:prstGeom>
+          <a:solidFill>
+            <a:srgbClr val="FF0000"/>
+          </a:solidFill>
+          <a:ln>
+            <a:solidFill>
+              <a:schemeClr val="tx1"/>
+            </a:solidFill>
+          </a:ln>
+        </p:spPr>
+        <p:style>
+          <a:lnRef idx="2">
+            <a:schemeClr val="accent1">
+              <a:shade val="50000"/>
+            </a:schemeClr>
+          </a:lnRef>
+          <a:fillRef idx="1">
+            <a:schemeClr val="accent1"/>
+          </a:fillRef>
+          <a:effectRef idx="0">
+            <a:schemeClr val="accent1"/>
+          </a:effectRef>
+          <a:fontRef idx="minor">
+            <a:schemeClr val="lt1"/>
+          </a:fontRef>
+        </p:style>
+        <p:txBody>
+          <a:bodyPr rtlCol="0" anchor="ctr"/>
+          <a:lstStyle/>
+          <a:p>
+            <a:pPr algn="ctr"/>
+            <a:endParaRPr kumimoji="1" lang="ja-JP" altLang="en-US"/>
+          </a:p>
+        </p:txBody>
+      </p:sp>
+    </p:spTree>
+    <p:extLst>
+      <p:ext uri="{BB962C8B-B14F-4D97-AF65-F5344CB8AC3E}">
+        <p14:creationId xmlns:p14="http://schemas.microsoft.com/office/powerpoint/2010/main" val="2108688799"/>
+      </p:ext>
+    </p:extLst>
+  </p:cSld>
+  <p:clrMapOvr>
+    <a:masterClrMapping/>
+  </p:clrMapOvr>
+  <p:timing>
+    <p:tnLst>
+      <p:par>
+        <p:cTn id="1" dur="indefinite" restart="never" nodeType="tmRoot"/>
+      </p:par>
+    </p:tnLst>
+  </p:timing>
 </p:sld>
 </file>
 

--- a/string/fig/fig.pptx
+++ b/string/fig/fig.pptx
@@ -7,6 +7,7 @@
   <p:sldIdLst>
     <p:sldId id="256" r:id="rId2"/>
     <p:sldId id="257" r:id="rId3"/>
+    <p:sldId id="258" r:id="rId4"/>
   </p:sldIdLst>
   <p:sldSz cx="9144000" cy="6858000" type="screen4x3"/>
   <p:notesSz cx="6858000" cy="9144000"/>
@@ -3259,6 +3260,665 @@
 </p:sld>
 </file>
 
+<file path=ppt/slides/slide3.xml><?xml version="1.0" encoding="utf-8"?>
+<p:sld xmlns:a="http://schemas.openxmlformats.org/drawingml/2006/main" xmlns:r="http://schemas.openxmlformats.org/officeDocument/2006/relationships" xmlns:p="http://schemas.openxmlformats.org/presentationml/2006/main">
+  <p:cSld>
+    <p:spTree>
+      <p:nvGrpSpPr>
+        <p:cNvPr id="1" name=""/>
+        <p:cNvGrpSpPr/>
+        <p:nvPr/>
+      </p:nvGrpSpPr>
+      <p:grpSpPr>
+        <a:xfrm>
+          <a:off x="0" y="0"/>
+          <a:ext cx="0" cy="0"/>
+          <a:chOff x="0" y="0"/>
+          <a:chExt cx="0" cy="0"/>
+        </a:xfrm>
+      </p:grpSpPr>
+      <p:sp>
+        <p:nvSpPr>
+          <p:cNvPr id="2" name="テキスト ボックス 1"/>
+          <p:cNvSpPr txBox="1"/>
+          <p:nvPr/>
+        </p:nvSpPr>
+        <p:spPr>
+          <a:xfrm>
+            <a:off x="3639128" y="175492"/>
+            <a:ext cx="1662545" cy="523220"/>
+          </a:xfrm>
+          <a:prstGeom prst="rect">
+            <a:avLst/>
+          </a:prstGeom>
+          <a:noFill/>
+        </p:spPr>
+        <p:txBody>
+          <a:bodyPr wrap="square" rtlCol="0">
+            <a:spAutoFit/>
+          </a:bodyPr>
+          <a:lstStyle/>
+          <a:p>
+            <a:r>
+              <a:rPr kumimoji="1" lang="ja-JP" altLang="en-US" sz="2800" smtClean="0"/>
+              <a:t>正規表現</a:t>
+            </a:r>
+            <a:endParaRPr kumimoji="1" lang="ja-JP" altLang="en-US" sz="2800" dirty="0"/>
+          </a:p>
+        </p:txBody>
+      </p:sp>
+      <p:sp>
+        <p:nvSpPr>
+          <p:cNvPr id="3" name="正方形/長方形 2"/>
+          <p:cNvSpPr/>
+          <p:nvPr/>
+        </p:nvSpPr>
+        <p:spPr>
+          <a:xfrm>
+            <a:off x="310174" y="3493714"/>
+            <a:ext cx="1197764" cy="646331"/>
+          </a:xfrm>
+          <a:prstGeom prst="rect">
+            <a:avLst/>
+          </a:prstGeom>
+        </p:spPr>
+        <p:txBody>
+          <a:bodyPr wrap="none">
+            <a:spAutoFit/>
+          </a:bodyPr>
+          <a:lstStyle/>
+          <a:p>
+            <a:r>
+              <a:rPr lang="en-US" altLang="ja-JP" sz="3600" dirty="0">
+                <a:latin typeface="Consolas" panose="020B0609020204030204" pitchFamily="49" charset="0"/>
+              </a:rPr>
+              <a:t>.*bc</a:t>
+            </a:r>
+            <a:endParaRPr lang="en-US" altLang="ja-JP" sz="3600" b="0" dirty="0">
+              <a:effectLst/>
+              <a:latin typeface="Consolas" panose="020B0609020204030204" pitchFamily="49" charset="0"/>
+            </a:endParaRPr>
+          </a:p>
+        </p:txBody>
+      </p:sp>
+      <p:sp>
+        <p:nvSpPr>
+          <p:cNvPr id="4" name="正方形/長方形 3"/>
+          <p:cNvSpPr/>
+          <p:nvPr/>
+        </p:nvSpPr>
+        <p:spPr>
+          <a:xfrm>
+            <a:off x="310174" y="4500478"/>
+            <a:ext cx="2210862" cy="1754326"/>
+          </a:xfrm>
+          <a:prstGeom prst="rect">
+            <a:avLst/>
+          </a:prstGeom>
+        </p:spPr>
+        <p:txBody>
+          <a:bodyPr wrap="none">
+            <a:spAutoFit/>
+          </a:bodyPr>
+          <a:lstStyle/>
+          <a:p>
+            <a:r>
+              <a:rPr lang="en-US" altLang="ja-JP" sz="3600" dirty="0" smtClean="0">
+                <a:solidFill>
+                  <a:srgbClr val="FF0000"/>
+                </a:solidFill>
+                <a:latin typeface="Consolas" panose="020B0609020204030204" pitchFamily="49" charset="0"/>
+              </a:rPr>
+              <a:t>bc</a:t>
+            </a:r>
+          </a:p>
+          <a:p>
+            <a:r>
+              <a:rPr lang="en-US" altLang="ja-JP" sz="3600" b="0" dirty="0" smtClean="0">
+                <a:solidFill>
+                  <a:srgbClr val="FF0000"/>
+                </a:solidFill>
+                <a:effectLst/>
+                <a:latin typeface="Consolas" panose="020B0609020204030204" pitchFamily="49" charset="0"/>
+              </a:rPr>
+              <a:t>xxxbc</a:t>
+            </a:r>
+          </a:p>
+          <a:p>
+            <a:r>
+              <a:rPr lang="en-US" altLang="ja-JP" sz="3600" dirty="0" smtClean="0">
+                <a:solidFill>
+                  <a:srgbClr val="FF0000"/>
+                </a:solidFill>
+                <a:latin typeface="Consolas" panose="020B0609020204030204" pitchFamily="49" charset="0"/>
+              </a:rPr>
+              <a:t>xxxbc</a:t>
+            </a:r>
+            <a:r>
+              <a:rPr lang="en-US" altLang="ja-JP" sz="3600" dirty="0" smtClean="0">
+                <a:latin typeface="Consolas" panose="020B0609020204030204" pitchFamily="49" charset="0"/>
+              </a:rPr>
+              <a:t>yyy</a:t>
+            </a:r>
+            <a:endParaRPr lang="en-US" altLang="ja-JP" sz="3600" b="0" dirty="0">
+              <a:effectLst/>
+              <a:latin typeface="Consolas" panose="020B0609020204030204" pitchFamily="49" charset="0"/>
+            </a:endParaRPr>
+          </a:p>
+        </p:txBody>
+      </p:sp>
+      <p:sp>
+        <p:nvSpPr>
+          <p:cNvPr id="5" name="正方形/長方形 4"/>
+          <p:cNvSpPr/>
+          <p:nvPr/>
+        </p:nvSpPr>
+        <p:spPr>
+          <a:xfrm>
+            <a:off x="3620655" y="3493714"/>
+            <a:ext cx="1197764" cy="646331"/>
+          </a:xfrm>
+          <a:prstGeom prst="rect">
+            <a:avLst/>
+          </a:prstGeom>
+        </p:spPr>
+        <p:txBody>
+          <a:bodyPr wrap="none">
+            <a:spAutoFit/>
+          </a:bodyPr>
+          <a:lstStyle/>
+          <a:p>
+            <a:r>
+              <a:rPr lang="en-US" altLang="ja-JP" sz="3600" dirty="0" smtClean="0">
+                <a:latin typeface="Consolas" panose="020B0609020204030204" pitchFamily="49" charset="0"/>
+              </a:rPr>
+              <a:t>.?bc</a:t>
+            </a:r>
+            <a:endParaRPr lang="en-US" altLang="ja-JP" sz="3600" b="0" dirty="0">
+              <a:effectLst/>
+              <a:latin typeface="Consolas" panose="020B0609020204030204" pitchFamily="49" charset="0"/>
+            </a:endParaRPr>
+          </a:p>
+        </p:txBody>
+      </p:sp>
+      <p:sp>
+        <p:nvSpPr>
+          <p:cNvPr id="6" name="正方形/長方形 5"/>
+          <p:cNvSpPr/>
+          <p:nvPr/>
+        </p:nvSpPr>
+        <p:spPr>
+          <a:xfrm>
+            <a:off x="6747164" y="3493713"/>
+            <a:ext cx="1197764" cy="646331"/>
+          </a:xfrm>
+          <a:prstGeom prst="rect">
+            <a:avLst/>
+          </a:prstGeom>
+        </p:spPr>
+        <p:txBody>
+          <a:bodyPr wrap="none">
+            <a:spAutoFit/>
+          </a:bodyPr>
+          <a:lstStyle/>
+          <a:p>
+            <a:r>
+              <a:rPr lang="en-US" altLang="ja-JP" sz="3600" dirty="0" smtClean="0">
+                <a:latin typeface="Consolas" panose="020B0609020204030204" pitchFamily="49" charset="0"/>
+              </a:rPr>
+              <a:t>.+bc</a:t>
+            </a:r>
+            <a:endParaRPr lang="en-US" altLang="ja-JP" sz="3600" b="0" dirty="0">
+              <a:effectLst/>
+              <a:latin typeface="Consolas" panose="020B0609020204030204" pitchFamily="49" charset="0"/>
+            </a:endParaRPr>
+          </a:p>
+        </p:txBody>
+      </p:sp>
+      <p:sp>
+        <p:nvSpPr>
+          <p:cNvPr id="7" name="正方形/長方形 6"/>
+          <p:cNvSpPr/>
+          <p:nvPr/>
+        </p:nvSpPr>
+        <p:spPr>
+          <a:xfrm>
+            <a:off x="3620655" y="4552067"/>
+            <a:ext cx="2210862" cy="1754326"/>
+          </a:xfrm>
+          <a:prstGeom prst="rect">
+            <a:avLst/>
+          </a:prstGeom>
+        </p:spPr>
+        <p:txBody>
+          <a:bodyPr wrap="none">
+            <a:spAutoFit/>
+          </a:bodyPr>
+          <a:lstStyle/>
+          <a:p>
+            <a:r>
+              <a:rPr lang="en-US" altLang="ja-JP" sz="3600" dirty="0" smtClean="0">
+                <a:solidFill>
+                  <a:srgbClr val="FF0000"/>
+                </a:solidFill>
+                <a:latin typeface="Consolas" panose="020B0609020204030204" pitchFamily="49" charset="0"/>
+              </a:rPr>
+              <a:t>bc</a:t>
+            </a:r>
+          </a:p>
+          <a:p>
+            <a:r>
+              <a:rPr lang="en-US" altLang="ja-JP" sz="3600" b="0" dirty="0" smtClean="0">
+                <a:effectLst/>
+                <a:latin typeface="Consolas" panose="020B0609020204030204" pitchFamily="49" charset="0"/>
+              </a:rPr>
+              <a:t>xx</a:t>
+            </a:r>
+            <a:r>
+              <a:rPr lang="en-US" altLang="ja-JP" sz="3600" b="0" dirty="0" smtClean="0">
+                <a:solidFill>
+                  <a:srgbClr val="FF0000"/>
+                </a:solidFill>
+                <a:effectLst/>
+                <a:latin typeface="Consolas" panose="020B0609020204030204" pitchFamily="49" charset="0"/>
+              </a:rPr>
+              <a:t>xbc</a:t>
+            </a:r>
+          </a:p>
+          <a:p>
+            <a:r>
+              <a:rPr lang="en-US" altLang="ja-JP" sz="3600" dirty="0" smtClean="0">
+                <a:latin typeface="Consolas" panose="020B0609020204030204" pitchFamily="49" charset="0"/>
+              </a:rPr>
+              <a:t>xx</a:t>
+            </a:r>
+            <a:r>
+              <a:rPr lang="en-US" altLang="ja-JP" sz="3600" dirty="0" smtClean="0">
+                <a:solidFill>
+                  <a:srgbClr val="FF0000"/>
+                </a:solidFill>
+                <a:latin typeface="Consolas" panose="020B0609020204030204" pitchFamily="49" charset="0"/>
+              </a:rPr>
+              <a:t>xbc</a:t>
+            </a:r>
+            <a:r>
+              <a:rPr lang="en-US" altLang="ja-JP" sz="3600" dirty="0" smtClean="0">
+                <a:latin typeface="Consolas" panose="020B0609020204030204" pitchFamily="49" charset="0"/>
+              </a:rPr>
+              <a:t>yyy</a:t>
+            </a:r>
+            <a:endParaRPr lang="en-US" altLang="ja-JP" sz="3600" b="0" dirty="0">
+              <a:effectLst/>
+              <a:latin typeface="Consolas" panose="020B0609020204030204" pitchFamily="49" charset="0"/>
+            </a:endParaRPr>
+          </a:p>
+        </p:txBody>
+      </p:sp>
+      <p:sp>
+        <p:nvSpPr>
+          <p:cNvPr id="8" name="正方形/長方形 7"/>
+          <p:cNvSpPr/>
+          <p:nvPr/>
+        </p:nvSpPr>
+        <p:spPr>
+          <a:xfrm>
+            <a:off x="6747164" y="4552067"/>
+            <a:ext cx="2210862" cy="1754326"/>
+          </a:xfrm>
+          <a:prstGeom prst="rect">
+            <a:avLst/>
+          </a:prstGeom>
+        </p:spPr>
+        <p:txBody>
+          <a:bodyPr wrap="none">
+            <a:spAutoFit/>
+          </a:bodyPr>
+          <a:lstStyle/>
+          <a:p>
+            <a:r>
+              <a:rPr lang="en-US" altLang="ja-JP" sz="3600" dirty="0" smtClean="0">
+                <a:latin typeface="Consolas" panose="020B0609020204030204" pitchFamily="49" charset="0"/>
+              </a:rPr>
+              <a:t>bc</a:t>
+            </a:r>
+          </a:p>
+          <a:p>
+            <a:r>
+              <a:rPr lang="en-US" altLang="ja-JP" sz="3600" b="0" dirty="0" smtClean="0">
+                <a:solidFill>
+                  <a:srgbClr val="FF0000"/>
+                </a:solidFill>
+                <a:effectLst/>
+                <a:latin typeface="Consolas" panose="020B0609020204030204" pitchFamily="49" charset="0"/>
+              </a:rPr>
+              <a:t>xxxbc</a:t>
+            </a:r>
+          </a:p>
+          <a:p>
+            <a:r>
+              <a:rPr lang="en-US" altLang="ja-JP" sz="3600" dirty="0" smtClean="0">
+                <a:solidFill>
+                  <a:srgbClr val="FF0000"/>
+                </a:solidFill>
+                <a:latin typeface="Consolas" panose="020B0609020204030204" pitchFamily="49" charset="0"/>
+              </a:rPr>
+              <a:t>xxxbc</a:t>
+            </a:r>
+            <a:r>
+              <a:rPr lang="en-US" altLang="ja-JP" sz="3600" dirty="0" smtClean="0">
+                <a:latin typeface="Consolas" panose="020B0609020204030204" pitchFamily="49" charset="0"/>
+              </a:rPr>
+              <a:t>yyy</a:t>
+            </a:r>
+            <a:endParaRPr lang="en-US" altLang="ja-JP" sz="3600" b="0" dirty="0">
+              <a:effectLst/>
+              <a:latin typeface="Consolas" panose="020B0609020204030204" pitchFamily="49" charset="0"/>
+            </a:endParaRPr>
+          </a:p>
+        </p:txBody>
+      </p:sp>
+      <p:sp>
+        <p:nvSpPr>
+          <p:cNvPr id="9" name="正方形/長方形 8"/>
+          <p:cNvSpPr/>
+          <p:nvPr/>
+        </p:nvSpPr>
+        <p:spPr>
+          <a:xfrm>
+            <a:off x="1359795" y="772603"/>
+            <a:ext cx="437940" cy="646331"/>
+          </a:xfrm>
+          <a:prstGeom prst="rect">
+            <a:avLst/>
+          </a:prstGeom>
+        </p:spPr>
+        <p:txBody>
+          <a:bodyPr wrap="none">
+            <a:spAutoFit/>
+          </a:bodyPr>
+          <a:lstStyle/>
+          <a:p>
+            <a:r>
+              <a:rPr lang="en-US" altLang="ja-JP" sz="3600" dirty="0" smtClean="0">
+                <a:latin typeface="Consolas" panose="020B0609020204030204" pitchFamily="49" charset="0"/>
+              </a:rPr>
+              <a:t>.</a:t>
+            </a:r>
+            <a:endParaRPr lang="en-US" altLang="ja-JP" sz="3600" b="0" dirty="0">
+              <a:effectLst/>
+              <a:latin typeface="Consolas" panose="020B0609020204030204" pitchFamily="49" charset="0"/>
+            </a:endParaRPr>
+          </a:p>
+        </p:txBody>
+      </p:sp>
+      <p:sp>
+        <p:nvSpPr>
+          <p:cNvPr id="10" name="テキスト ボックス 9"/>
+          <p:cNvSpPr txBox="1"/>
+          <p:nvPr/>
+        </p:nvSpPr>
+        <p:spPr>
+          <a:xfrm>
+            <a:off x="1797735" y="925191"/>
+            <a:ext cx="3402815" cy="461665"/>
+          </a:xfrm>
+          <a:prstGeom prst="rect">
+            <a:avLst/>
+          </a:prstGeom>
+          <a:noFill/>
+        </p:spPr>
+        <p:txBody>
+          <a:bodyPr wrap="square" rtlCol="0">
+            <a:spAutoFit/>
+          </a:bodyPr>
+          <a:lstStyle/>
+          <a:p>
+            <a:r>
+              <a:rPr lang="ja-JP" altLang="en-US" sz="2400" dirty="0" smtClean="0"/>
+              <a:t>どんな文字にもマッチ</a:t>
+            </a:r>
+            <a:endParaRPr kumimoji="1" lang="ja-JP" altLang="en-US" sz="2400" dirty="0"/>
+          </a:p>
+        </p:txBody>
+      </p:sp>
+      <p:sp>
+        <p:nvSpPr>
+          <p:cNvPr id="11" name="正方形/長方形 10"/>
+          <p:cNvSpPr/>
+          <p:nvPr/>
+        </p:nvSpPr>
+        <p:spPr>
+          <a:xfrm>
+            <a:off x="1359795" y="1266346"/>
+            <a:ext cx="437940" cy="646331"/>
+          </a:xfrm>
+          <a:prstGeom prst="rect">
+            <a:avLst/>
+          </a:prstGeom>
+        </p:spPr>
+        <p:txBody>
+          <a:bodyPr wrap="none">
+            <a:spAutoFit/>
+          </a:bodyPr>
+          <a:lstStyle/>
+          <a:p>
+            <a:r>
+              <a:rPr lang="en-US" altLang="ja-JP" sz="3600" b="0" dirty="0" smtClean="0">
+                <a:effectLst/>
+                <a:latin typeface="Consolas" panose="020B0609020204030204" pitchFamily="49" charset="0"/>
+              </a:rPr>
+              <a:t>*</a:t>
+            </a:r>
+            <a:endParaRPr lang="en-US" altLang="ja-JP" sz="3600" b="0" dirty="0">
+              <a:effectLst/>
+              <a:latin typeface="Consolas" panose="020B0609020204030204" pitchFamily="49" charset="0"/>
+            </a:endParaRPr>
+          </a:p>
+        </p:txBody>
+      </p:sp>
+      <p:sp>
+        <p:nvSpPr>
+          <p:cNvPr id="12" name="テキスト ボックス 11"/>
+          <p:cNvSpPr txBox="1"/>
+          <p:nvPr/>
+        </p:nvSpPr>
+        <p:spPr>
+          <a:xfrm>
+            <a:off x="1797735" y="1418934"/>
+            <a:ext cx="5842787" cy="461665"/>
+          </a:xfrm>
+          <a:prstGeom prst="rect">
+            <a:avLst/>
+          </a:prstGeom>
+          <a:noFill/>
+        </p:spPr>
+        <p:txBody>
+          <a:bodyPr wrap="square" rtlCol="0">
+            <a:spAutoFit/>
+          </a:bodyPr>
+          <a:lstStyle/>
+          <a:p>
+            <a:r>
+              <a:rPr lang="ja-JP" altLang="en-US" sz="2400" dirty="0" smtClean="0"/>
+              <a:t>直前のパターンの</a:t>
+            </a:r>
+            <a:r>
+              <a:rPr lang="en-US" altLang="ja-JP" sz="2400" dirty="0" smtClean="0"/>
+              <a:t>0</a:t>
+            </a:r>
+            <a:r>
+              <a:rPr lang="ja-JP" altLang="en-US" sz="2400" dirty="0" smtClean="0"/>
+              <a:t>回以上の繰り返し</a:t>
+            </a:r>
+            <a:endParaRPr kumimoji="1" lang="ja-JP" altLang="en-US" sz="2400" dirty="0"/>
+          </a:p>
+        </p:txBody>
+      </p:sp>
+      <p:sp>
+        <p:nvSpPr>
+          <p:cNvPr id="13" name="正方形/長方形 12"/>
+          <p:cNvSpPr/>
+          <p:nvPr/>
+        </p:nvSpPr>
+        <p:spPr>
+          <a:xfrm>
+            <a:off x="1359795" y="1792167"/>
+            <a:ext cx="437940" cy="646331"/>
+          </a:xfrm>
+          <a:prstGeom prst="rect">
+            <a:avLst/>
+          </a:prstGeom>
+        </p:spPr>
+        <p:txBody>
+          <a:bodyPr wrap="none">
+            <a:spAutoFit/>
+          </a:bodyPr>
+          <a:lstStyle/>
+          <a:p>
+            <a:r>
+              <a:rPr lang="en-US" altLang="ja-JP" sz="3600" dirty="0">
+                <a:latin typeface="Consolas" panose="020B0609020204030204" pitchFamily="49" charset="0"/>
+              </a:rPr>
+              <a:t>?</a:t>
+            </a:r>
+            <a:endParaRPr lang="en-US" altLang="ja-JP" sz="3600" b="0" dirty="0">
+              <a:effectLst/>
+              <a:latin typeface="Consolas" panose="020B0609020204030204" pitchFamily="49" charset="0"/>
+            </a:endParaRPr>
+          </a:p>
+        </p:txBody>
+      </p:sp>
+      <p:sp>
+        <p:nvSpPr>
+          <p:cNvPr id="14" name="テキスト ボックス 13"/>
+          <p:cNvSpPr txBox="1"/>
+          <p:nvPr/>
+        </p:nvSpPr>
+        <p:spPr>
+          <a:xfrm>
+            <a:off x="1797735" y="1944755"/>
+            <a:ext cx="6133732" cy="461665"/>
+          </a:xfrm>
+          <a:prstGeom prst="rect">
+            <a:avLst/>
+          </a:prstGeom>
+          <a:noFill/>
+        </p:spPr>
+        <p:txBody>
+          <a:bodyPr wrap="square" rtlCol="0">
+            <a:spAutoFit/>
+          </a:bodyPr>
+          <a:lstStyle/>
+          <a:p>
+            <a:r>
+              <a:rPr kumimoji="1" lang="ja-JP" altLang="en-US" sz="2400" dirty="0" smtClean="0"/>
+              <a:t>直前のパターンが</a:t>
+            </a:r>
+            <a:r>
+              <a:rPr kumimoji="1" lang="en-US" altLang="ja-JP" sz="2400" dirty="0" smtClean="0"/>
+              <a:t>0</a:t>
+            </a:r>
+            <a:r>
+              <a:rPr kumimoji="1" lang="ja-JP" altLang="en-US" sz="2400" dirty="0" smtClean="0"/>
+              <a:t>回か</a:t>
+            </a:r>
+            <a:r>
+              <a:rPr kumimoji="1" lang="en-US" altLang="ja-JP" sz="2400" dirty="0" smtClean="0"/>
+              <a:t>1</a:t>
+            </a:r>
+            <a:r>
+              <a:rPr kumimoji="1" lang="ja-JP" altLang="en-US" sz="2400" dirty="0" smtClean="0"/>
+              <a:t>回の繰り返し</a:t>
+            </a:r>
+            <a:endParaRPr kumimoji="1" lang="ja-JP" altLang="en-US" sz="2400" dirty="0"/>
+          </a:p>
+        </p:txBody>
+      </p:sp>
+      <p:sp>
+        <p:nvSpPr>
+          <p:cNvPr id="15" name="正方形/長方形 14"/>
+          <p:cNvSpPr/>
+          <p:nvPr/>
+        </p:nvSpPr>
+        <p:spPr>
+          <a:xfrm>
+            <a:off x="1359795" y="2329650"/>
+            <a:ext cx="437940" cy="646331"/>
+          </a:xfrm>
+          <a:prstGeom prst="rect">
+            <a:avLst/>
+          </a:prstGeom>
+        </p:spPr>
+        <p:txBody>
+          <a:bodyPr wrap="none">
+            <a:spAutoFit/>
+          </a:bodyPr>
+          <a:lstStyle/>
+          <a:p>
+            <a:r>
+              <a:rPr lang="en-US" altLang="ja-JP" sz="3600" dirty="0" smtClean="0">
+                <a:latin typeface="Consolas" panose="020B0609020204030204" pitchFamily="49" charset="0"/>
+              </a:rPr>
+              <a:t>+</a:t>
+            </a:r>
+            <a:endParaRPr lang="en-US" altLang="ja-JP" sz="3600" b="0" dirty="0">
+              <a:effectLst/>
+              <a:latin typeface="Consolas" panose="020B0609020204030204" pitchFamily="49" charset="0"/>
+            </a:endParaRPr>
+          </a:p>
+        </p:txBody>
+      </p:sp>
+      <p:sp>
+        <p:nvSpPr>
+          <p:cNvPr id="16" name="テキスト ボックス 15"/>
+          <p:cNvSpPr txBox="1"/>
+          <p:nvPr/>
+        </p:nvSpPr>
+        <p:spPr>
+          <a:xfrm>
+            <a:off x="1797735" y="2482238"/>
+            <a:ext cx="6041368" cy="461665"/>
+          </a:xfrm>
+          <a:prstGeom prst="rect">
+            <a:avLst/>
+          </a:prstGeom>
+          <a:noFill/>
+        </p:spPr>
+        <p:txBody>
+          <a:bodyPr wrap="square" rtlCol="0">
+            <a:spAutoFit/>
+          </a:bodyPr>
+          <a:lstStyle/>
+          <a:p>
+            <a:r>
+              <a:rPr lang="ja-JP" altLang="en-US" sz="2400" dirty="0" smtClean="0"/>
+              <a:t>直前のパターンが</a:t>
+            </a:r>
+            <a:r>
+              <a:rPr lang="en-US" altLang="ja-JP" sz="2400" dirty="0" smtClean="0"/>
+              <a:t>1</a:t>
+            </a:r>
+            <a:r>
+              <a:rPr lang="ja-JP" altLang="en-US" sz="2400" dirty="0" smtClean="0"/>
+              <a:t>回以上の繰り返し</a:t>
+            </a:r>
+            <a:endParaRPr kumimoji="1" lang="ja-JP" altLang="en-US" sz="2400" dirty="0"/>
+          </a:p>
+        </p:txBody>
+      </p:sp>
+    </p:spTree>
+    <p:extLst>
+      <p:ext uri="{BB962C8B-B14F-4D97-AF65-F5344CB8AC3E}">
+        <p14:creationId xmlns:p14="http://schemas.microsoft.com/office/powerpoint/2010/main" val="937946004"/>
+      </p:ext>
+    </p:extLst>
+  </p:cSld>
+  <p:clrMapOvr>
+    <a:masterClrMapping/>
+  </p:clrMapOvr>
+</p:sld>
+</file>
+
 <file path=ppt/theme/theme1.xml><?xml version="1.0" encoding="utf-8"?>
 <a:theme xmlns:a="http://schemas.openxmlformats.org/drawingml/2006/main" name="Office テーマ">
   <a:themeElements>

--- a/string/fig/fig.pptx
+++ b/string/fig/fig.pptx
@@ -8,7 +8,8 @@
     <p:sldId id="259" r:id="rId2"/>
     <p:sldId id="256" r:id="rId3"/>
     <p:sldId id="257" r:id="rId4"/>
-    <p:sldId id="258" r:id="rId5"/>
+    <p:sldId id="260" r:id="rId5"/>
+    <p:sldId id="258" r:id="rId6"/>
   </p:sldIdLst>
   <p:sldSz cx="9144000" cy="6858000" type="screen4x3"/>
   <p:notesSz cx="6858000" cy="9144000"/>
@@ -4887,6 +4888,689 @@
       </p:grpSpPr>
       <p:sp>
         <p:nvSpPr>
+          <p:cNvPr id="2" name="テキスト ボックス 1">
+            <a:extLst>
+              <a:ext uri="{FF2B5EF4-FFF2-40B4-BE49-F238E27FC236}">
+                <a16:creationId xmlns:a16="http://schemas.microsoft.com/office/drawing/2014/main" id="{F15CCAFF-FE7A-F445-9C5C-6CEDD61E62E2}"/>
+              </a:ext>
+            </a:extLst>
+          </p:cNvPr>
+          <p:cNvSpPr txBox="1"/>
+          <p:nvPr/>
+        </p:nvSpPr>
+        <p:spPr>
+          <a:xfrm>
+            <a:off x="355002" y="1032383"/>
+            <a:ext cx="8392041" cy="584775"/>
+          </a:xfrm>
+          <a:prstGeom prst="rect">
+            <a:avLst/>
+          </a:prstGeom>
+          <a:noFill/>
+        </p:spPr>
+        <p:txBody>
+          <a:bodyPr wrap="none" rtlCol="0">
+            <a:spAutoFit/>
+          </a:bodyPr>
+          <a:lstStyle/>
+          <a:p>
+            <a:r>
+              <a:rPr kumimoji="1" lang="ja-JP" altLang="en-US" sz="3200" dirty="0"/>
+              <a:t>文字列の</a:t>
+            </a:r>
+            <a:r>
+              <a:rPr kumimoji="1" lang="ja-JP" altLang="en-US" sz="3200" dirty="0">
+                <a:solidFill>
+                  <a:srgbClr val="FF0000"/>
+                </a:solidFill>
+              </a:rPr>
+              <a:t>集合</a:t>
+            </a:r>
+            <a:r>
+              <a:rPr kumimoji="1" lang="ja-JP" altLang="en-US" sz="3200" dirty="0"/>
+              <a:t>を一つの文字列で表現する方法</a:t>
+            </a:r>
+          </a:p>
+        </p:txBody>
+      </p:sp>
+      <p:sp>
+        <p:nvSpPr>
+          <p:cNvPr id="3" name="テキスト ボックス 2">
+            <a:extLst>
+              <a:ext uri="{FF2B5EF4-FFF2-40B4-BE49-F238E27FC236}">
+                <a16:creationId xmlns:a16="http://schemas.microsoft.com/office/drawing/2014/main" id="{06B54A29-0930-0847-B026-5062BA2F3653}"/>
+              </a:ext>
+            </a:extLst>
+          </p:cNvPr>
+          <p:cNvSpPr txBox="1"/>
+          <p:nvPr/>
+        </p:nvSpPr>
+        <p:spPr>
+          <a:xfrm>
+            <a:off x="539552" y="1844824"/>
+            <a:ext cx="1415772" cy="461665"/>
+          </a:xfrm>
+          <a:prstGeom prst="rect">
+            <a:avLst/>
+          </a:prstGeom>
+          <a:noFill/>
+        </p:spPr>
+        <p:txBody>
+          <a:bodyPr wrap="none" rtlCol="0">
+            <a:spAutoFit/>
+          </a:bodyPr>
+          <a:lstStyle/>
+          <a:p>
+            <a:r>
+              <a:rPr kumimoji="1" lang="ja-JP" altLang="en-US" sz="2400" dirty="0"/>
+              <a:t>正規表現</a:t>
+            </a:r>
+          </a:p>
+        </p:txBody>
+      </p:sp>
+      <p:sp>
+        <p:nvSpPr>
+          <p:cNvPr id="4" name="テキスト ボックス 3">
+            <a:extLst>
+              <a:ext uri="{FF2B5EF4-FFF2-40B4-BE49-F238E27FC236}">
+                <a16:creationId xmlns:a16="http://schemas.microsoft.com/office/drawing/2014/main" id="{1438C82E-C0FE-7747-94E9-E6AAF89183F0}"/>
+              </a:ext>
+            </a:extLst>
+          </p:cNvPr>
+          <p:cNvSpPr txBox="1"/>
+          <p:nvPr/>
+        </p:nvSpPr>
+        <p:spPr>
+          <a:xfrm>
+            <a:off x="3081732" y="1844824"/>
+            <a:ext cx="6032421" cy="461665"/>
+          </a:xfrm>
+          <a:prstGeom prst="rect">
+            <a:avLst/>
+          </a:prstGeom>
+          <a:noFill/>
+        </p:spPr>
+        <p:txBody>
+          <a:bodyPr wrap="none" rtlCol="0">
+            <a:spAutoFit/>
+          </a:bodyPr>
+          <a:lstStyle/>
+          <a:p>
+            <a:r>
+              <a:rPr kumimoji="1" lang="ja-JP" altLang="en-US" sz="2400" dirty="0"/>
+              <a:t>正規表現が</a:t>
+            </a:r>
+            <a:r>
+              <a:rPr kumimoji="1" lang="ja-JP" altLang="en-US" sz="2400" dirty="0" smtClean="0"/>
+              <a:t>表す</a:t>
+            </a:r>
+            <a:r>
+              <a:rPr lang="ja-JP" altLang="en-US" sz="2400" dirty="0" smtClean="0"/>
+              <a:t>パターンを</a:t>
+            </a:r>
+            <a:r>
+              <a:rPr lang="ja-JP" altLang="en-US" sz="2400" dirty="0"/>
+              <a:t>持</a:t>
+            </a:r>
+            <a:r>
+              <a:rPr lang="ja-JP" altLang="en-US" sz="2400" dirty="0" smtClean="0"/>
+              <a:t>つ</a:t>
+            </a:r>
+            <a:r>
+              <a:rPr kumimoji="1" lang="ja-JP" altLang="en-US" sz="2400" dirty="0" smtClean="0"/>
+              <a:t>文字列</a:t>
+            </a:r>
+            <a:r>
+              <a:rPr kumimoji="1" lang="ja-JP" altLang="en-US" sz="2400" dirty="0"/>
+              <a:t>集合</a:t>
+            </a:r>
+          </a:p>
+        </p:txBody>
+      </p:sp>
+      <p:sp>
+        <p:nvSpPr>
+          <p:cNvPr id="5" name="テキスト ボックス 4">
+            <a:extLst>
+              <a:ext uri="{FF2B5EF4-FFF2-40B4-BE49-F238E27FC236}">
+                <a16:creationId xmlns:a16="http://schemas.microsoft.com/office/drawing/2014/main" id="{92314D23-8073-754E-8E42-53007D68F516}"/>
+              </a:ext>
+            </a:extLst>
+          </p:cNvPr>
+          <p:cNvSpPr txBox="1"/>
+          <p:nvPr/>
+        </p:nvSpPr>
+        <p:spPr>
+          <a:xfrm>
+            <a:off x="827584" y="2348880"/>
+            <a:ext cx="819455" cy="769441"/>
+          </a:xfrm>
+          <a:prstGeom prst="rect">
+            <a:avLst/>
+          </a:prstGeom>
+          <a:noFill/>
+        </p:spPr>
+        <p:txBody>
+          <a:bodyPr wrap="none" rtlCol="0">
+            <a:spAutoFit/>
+          </a:bodyPr>
+          <a:lstStyle/>
+          <a:p>
+            <a:r>
+              <a:rPr kumimoji="1" lang="en-US" altLang="ja-JP" sz="4400" dirty="0" smtClean="0"/>
+              <a:t>a.e</a:t>
+            </a:r>
+            <a:endParaRPr kumimoji="1" lang="ja-JP" altLang="en-US" sz="4400" dirty="0"/>
+          </a:p>
+        </p:txBody>
+      </p:sp>
+      <p:sp>
+        <p:nvSpPr>
+          <p:cNvPr id="6" name="テキスト ボックス 5">
+            <a:extLst>
+              <a:ext uri="{FF2B5EF4-FFF2-40B4-BE49-F238E27FC236}">
+                <a16:creationId xmlns:a16="http://schemas.microsoft.com/office/drawing/2014/main" id="{1ADF6F1B-2C85-3745-8A71-234A6E588651}"/>
+              </a:ext>
+            </a:extLst>
+          </p:cNvPr>
+          <p:cNvSpPr txBox="1"/>
+          <p:nvPr/>
+        </p:nvSpPr>
+        <p:spPr>
+          <a:xfrm>
+            <a:off x="3851920" y="2708920"/>
+            <a:ext cx="936475" cy="769441"/>
+          </a:xfrm>
+          <a:prstGeom prst="rect">
+            <a:avLst/>
+          </a:prstGeom>
+          <a:noFill/>
+        </p:spPr>
+        <p:txBody>
+          <a:bodyPr wrap="none" rtlCol="0">
+            <a:spAutoFit/>
+          </a:bodyPr>
+          <a:lstStyle/>
+          <a:p>
+            <a:r>
+              <a:rPr kumimoji="1" lang="en-US" altLang="ja-JP" sz="4400" dirty="0" smtClean="0"/>
+              <a:t>aae</a:t>
+            </a:r>
+            <a:endParaRPr kumimoji="1" lang="ja-JP" altLang="en-US" sz="4400" dirty="0"/>
+          </a:p>
+        </p:txBody>
+      </p:sp>
+      <p:sp>
+        <p:nvSpPr>
+          <p:cNvPr id="7" name="右矢印 6">
+            <a:extLst>
+              <a:ext uri="{FF2B5EF4-FFF2-40B4-BE49-F238E27FC236}">
+                <a16:creationId xmlns:a16="http://schemas.microsoft.com/office/drawing/2014/main" id="{93104E89-B9C3-C04C-A964-6A9CAD256FAB}"/>
+              </a:ext>
+            </a:extLst>
+          </p:cNvPr>
+          <p:cNvSpPr/>
+          <p:nvPr/>
+        </p:nvSpPr>
+        <p:spPr>
+          <a:xfrm>
+            <a:off x="2483768" y="6237312"/>
+            <a:ext cx="467360" cy="426720"/>
+          </a:xfrm>
+          <a:prstGeom prst="rightArrow">
+            <a:avLst>
+              <a:gd name="adj1" fmla="val 50000"/>
+              <a:gd name="adj2" fmla="val 57653"/>
+            </a:avLst>
+          </a:prstGeom>
+          <a:solidFill>
+            <a:srgbClr val="FF0000"/>
+          </a:solidFill>
+          <a:ln>
+            <a:solidFill>
+              <a:schemeClr val="tx1"/>
+            </a:solidFill>
+          </a:ln>
+        </p:spPr>
+        <p:style>
+          <a:lnRef idx="2">
+            <a:schemeClr val="accent1">
+              <a:shade val="50000"/>
+            </a:schemeClr>
+          </a:lnRef>
+          <a:fillRef idx="1">
+            <a:schemeClr val="accent1"/>
+          </a:fillRef>
+          <a:effectRef idx="0">
+            <a:schemeClr val="accent1"/>
+          </a:effectRef>
+          <a:fontRef idx="minor">
+            <a:schemeClr val="lt1"/>
+          </a:fontRef>
+        </p:style>
+        <p:txBody>
+          <a:bodyPr rtlCol="0" anchor="ctr"/>
+          <a:lstStyle/>
+          <a:p>
+            <a:pPr algn="ctr"/>
+            <a:endParaRPr kumimoji="1" lang="ja-JP" altLang="en-US" dirty="0"/>
+          </a:p>
+        </p:txBody>
+      </p:sp>
+      <p:sp>
+        <p:nvSpPr>
+          <p:cNvPr id="8" name="テキスト ボックス 7">
+            <a:extLst>
+              <a:ext uri="{FF2B5EF4-FFF2-40B4-BE49-F238E27FC236}">
+                <a16:creationId xmlns:a16="http://schemas.microsoft.com/office/drawing/2014/main" id="{31E4268E-965B-2045-B463-329A9DD8C5AE}"/>
+              </a:ext>
+            </a:extLst>
+          </p:cNvPr>
+          <p:cNvSpPr txBox="1"/>
+          <p:nvPr/>
+        </p:nvSpPr>
+        <p:spPr>
+          <a:xfrm>
+            <a:off x="3059832" y="6165304"/>
+            <a:ext cx="1980029" cy="523220"/>
+          </a:xfrm>
+          <a:prstGeom prst="rect">
+            <a:avLst/>
+          </a:prstGeom>
+          <a:noFill/>
+        </p:spPr>
+        <p:txBody>
+          <a:bodyPr wrap="none" rtlCol="0">
+            <a:spAutoFit/>
+          </a:bodyPr>
+          <a:lstStyle/>
+          <a:p>
+            <a:r>
+              <a:rPr kumimoji="1" lang="ja-JP" altLang="en-US" sz="2800" dirty="0"/>
+              <a:t>マッチする</a:t>
+            </a:r>
+          </a:p>
+        </p:txBody>
+      </p:sp>
+      <p:sp>
+        <p:nvSpPr>
+          <p:cNvPr id="9" name="雲形吹き出し 8"/>
+          <p:cNvSpPr/>
+          <p:nvPr/>
+        </p:nvSpPr>
+        <p:spPr>
+          <a:xfrm>
+            <a:off x="3131840" y="2420888"/>
+            <a:ext cx="5112568" cy="2448272"/>
+          </a:xfrm>
+          <a:prstGeom prst="cloudCallout">
+            <a:avLst>
+              <a:gd name="adj1" fmla="val -76295"/>
+              <a:gd name="adj2" fmla="val -30684"/>
+            </a:avLst>
+          </a:prstGeom>
+          <a:noFill/>
+          <a:ln>
+            <a:solidFill>
+              <a:schemeClr val="tx1"/>
+            </a:solidFill>
+          </a:ln>
+        </p:spPr>
+        <p:style>
+          <a:lnRef idx="2">
+            <a:schemeClr val="accent1">
+              <a:shade val="50000"/>
+            </a:schemeClr>
+          </a:lnRef>
+          <a:fillRef idx="1">
+            <a:schemeClr val="accent1"/>
+          </a:fillRef>
+          <a:effectRef idx="0">
+            <a:schemeClr val="accent1"/>
+          </a:effectRef>
+          <a:fontRef idx="minor">
+            <a:schemeClr val="lt1"/>
+          </a:fontRef>
+        </p:style>
+        <p:txBody>
+          <a:bodyPr rtlCol="0" anchor="ctr"/>
+          <a:lstStyle/>
+          <a:p>
+            <a:pPr algn="ctr"/>
+            <a:endParaRPr kumimoji="1" lang="ja-JP" altLang="en-US" dirty="0"/>
+          </a:p>
+        </p:txBody>
+      </p:sp>
+      <p:sp>
+        <p:nvSpPr>
+          <p:cNvPr id="10" name="テキスト ボックス 9">
+            <a:extLst>
+              <a:ext uri="{FF2B5EF4-FFF2-40B4-BE49-F238E27FC236}">
+                <a16:creationId xmlns:a16="http://schemas.microsoft.com/office/drawing/2014/main" id="{1ADF6F1B-2C85-3745-8A71-234A6E588651}"/>
+              </a:ext>
+            </a:extLst>
+          </p:cNvPr>
+          <p:cNvSpPr txBox="1"/>
+          <p:nvPr/>
+        </p:nvSpPr>
+        <p:spPr>
+          <a:xfrm>
+            <a:off x="5004048" y="2564904"/>
+            <a:ext cx="978153" cy="769441"/>
+          </a:xfrm>
+          <a:prstGeom prst="rect">
+            <a:avLst/>
+          </a:prstGeom>
+          <a:noFill/>
+        </p:spPr>
+        <p:txBody>
+          <a:bodyPr wrap="none" rtlCol="0">
+            <a:spAutoFit/>
+          </a:bodyPr>
+          <a:lstStyle/>
+          <a:p>
+            <a:r>
+              <a:rPr kumimoji="1" lang="en-US" altLang="ja-JP" sz="4400" dirty="0" smtClean="0"/>
+              <a:t>abe</a:t>
+            </a:r>
+            <a:endParaRPr kumimoji="1" lang="ja-JP" altLang="en-US" sz="4400" dirty="0"/>
+          </a:p>
+        </p:txBody>
+      </p:sp>
+      <p:sp>
+        <p:nvSpPr>
+          <p:cNvPr id="11" name="テキスト ボックス 10">
+            <a:extLst>
+              <a:ext uri="{FF2B5EF4-FFF2-40B4-BE49-F238E27FC236}">
+                <a16:creationId xmlns:a16="http://schemas.microsoft.com/office/drawing/2014/main" id="{92314D23-8073-754E-8E42-53007D68F516}"/>
+              </a:ext>
+            </a:extLst>
+          </p:cNvPr>
+          <p:cNvSpPr txBox="1"/>
+          <p:nvPr/>
+        </p:nvSpPr>
+        <p:spPr>
+          <a:xfrm>
+            <a:off x="3275856" y="4797152"/>
+            <a:ext cx="2274982" cy="769441"/>
+          </a:xfrm>
+          <a:prstGeom prst="rect">
+            <a:avLst/>
+          </a:prstGeom>
+          <a:noFill/>
+        </p:spPr>
+        <p:txBody>
+          <a:bodyPr wrap="none" rtlCol="0">
+            <a:spAutoFit/>
+          </a:bodyPr>
+          <a:lstStyle/>
+          <a:p>
+            <a:r>
+              <a:rPr lang="en-US" altLang="ja-JP" sz="4400" dirty="0" smtClean="0"/>
+              <a:t>ac</a:t>
+            </a:r>
+            <a:r>
+              <a:rPr lang="en-US" altLang="ja-JP" sz="4400" dirty="0" smtClean="0">
+                <a:solidFill>
+                  <a:srgbClr val="FF0000"/>
+                </a:solidFill>
+              </a:rPr>
+              <a:t>ade</a:t>
+            </a:r>
+            <a:r>
+              <a:rPr lang="en-US" altLang="ja-JP" sz="4400" dirty="0" smtClean="0"/>
+              <a:t>mic</a:t>
+            </a:r>
+            <a:endParaRPr kumimoji="1" lang="ja-JP" altLang="en-US" sz="4400" dirty="0"/>
+          </a:p>
+        </p:txBody>
+      </p:sp>
+      <p:sp>
+        <p:nvSpPr>
+          <p:cNvPr id="12" name="テキスト ボックス 11">
+            <a:extLst>
+              <a:ext uri="{FF2B5EF4-FFF2-40B4-BE49-F238E27FC236}">
+                <a16:creationId xmlns:a16="http://schemas.microsoft.com/office/drawing/2014/main" id="{1ADF6F1B-2C85-3745-8A71-234A6E588651}"/>
+              </a:ext>
+            </a:extLst>
+          </p:cNvPr>
+          <p:cNvSpPr txBox="1"/>
+          <p:nvPr/>
+        </p:nvSpPr>
+        <p:spPr>
+          <a:xfrm>
+            <a:off x="6588224" y="2636912"/>
+            <a:ext cx="942887" cy="769441"/>
+          </a:xfrm>
+          <a:prstGeom prst="rect">
+            <a:avLst/>
+          </a:prstGeom>
+          <a:noFill/>
+        </p:spPr>
+        <p:txBody>
+          <a:bodyPr wrap="none" rtlCol="0">
+            <a:spAutoFit/>
+          </a:bodyPr>
+          <a:lstStyle/>
+          <a:p>
+            <a:r>
+              <a:rPr kumimoji="1" lang="en-US" altLang="ja-JP" sz="4400" dirty="0" smtClean="0"/>
+              <a:t>ace</a:t>
+            </a:r>
+            <a:endParaRPr kumimoji="1" lang="ja-JP" altLang="en-US" sz="4400" dirty="0"/>
+          </a:p>
+        </p:txBody>
+      </p:sp>
+      <p:sp>
+        <p:nvSpPr>
+          <p:cNvPr id="13" name="テキスト ボックス 12">
+            <a:extLst>
+              <a:ext uri="{FF2B5EF4-FFF2-40B4-BE49-F238E27FC236}">
+                <a16:creationId xmlns:a16="http://schemas.microsoft.com/office/drawing/2014/main" id="{1ADF6F1B-2C85-3745-8A71-234A6E588651}"/>
+              </a:ext>
+            </a:extLst>
+          </p:cNvPr>
+          <p:cNvSpPr txBox="1"/>
+          <p:nvPr/>
+        </p:nvSpPr>
+        <p:spPr>
+          <a:xfrm>
+            <a:off x="4139952" y="3573016"/>
+            <a:ext cx="982961" cy="769441"/>
+          </a:xfrm>
+          <a:prstGeom prst="rect">
+            <a:avLst/>
+          </a:prstGeom>
+          <a:noFill/>
+        </p:spPr>
+        <p:txBody>
+          <a:bodyPr wrap="none" rtlCol="0">
+            <a:spAutoFit/>
+          </a:bodyPr>
+          <a:lstStyle/>
+          <a:p>
+            <a:r>
+              <a:rPr kumimoji="1" lang="en-US" altLang="ja-JP" sz="4400" dirty="0" smtClean="0">
+                <a:solidFill>
+                  <a:srgbClr val="FF0000"/>
+                </a:solidFill>
+              </a:rPr>
+              <a:t>ade</a:t>
+            </a:r>
+            <a:endParaRPr kumimoji="1" lang="ja-JP" altLang="en-US" sz="4400" dirty="0">
+              <a:solidFill>
+                <a:srgbClr val="FF0000"/>
+              </a:solidFill>
+            </a:endParaRPr>
+          </a:p>
+        </p:txBody>
+      </p:sp>
+      <p:sp>
+        <p:nvSpPr>
+          <p:cNvPr id="14" name="テキスト ボックス 13">
+            <a:extLst>
+              <a:ext uri="{FF2B5EF4-FFF2-40B4-BE49-F238E27FC236}">
+                <a16:creationId xmlns:a16="http://schemas.microsoft.com/office/drawing/2014/main" id="{1ADF6F1B-2C85-3745-8A71-234A6E588651}"/>
+              </a:ext>
+            </a:extLst>
+          </p:cNvPr>
+          <p:cNvSpPr txBox="1"/>
+          <p:nvPr/>
+        </p:nvSpPr>
+        <p:spPr>
+          <a:xfrm>
+            <a:off x="5508104" y="3573016"/>
+            <a:ext cx="966931" cy="769441"/>
+          </a:xfrm>
+          <a:prstGeom prst="rect">
+            <a:avLst/>
+          </a:prstGeom>
+          <a:noFill/>
+        </p:spPr>
+        <p:txBody>
+          <a:bodyPr wrap="none" rtlCol="0">
+            <a:spAutoFit/>
+          </a:bodyPr>
+          <a:lstStyle/>
+          <a:p>
+            <a:r>
+              <a:rPr kumimoji="1" lang="en-US" altLang="ja-JP" sz="4400" dirty="0" smtClean="0"/>
+              <a:t>aee</a:t>
+            </a:r>
+            <a:endParaRPr kumimoji="1" lang="ja-JP" altLang="en-US" sz="4400" dirty="0"/>
+          </a:p>
+        </p:txBody>
+      </p:sp>
+      <p:cxnSp>
+        <p:nvCxnSpPr>
+          <p:cNvPr id="15" name="直線矢印コネクタ 14"/>
+          <p:cNvCxnSpPr>
+            <a:stCxn id="13" idx="2"/>
+          </p:cNvCxnSpPr>
+          <p:nvPr/>
+        </p:nvCxnSpPr>
+        <p:spPr>
+          <a:xfrm flipH="1">
+            <a:off x="4355976" y="4342457"/>
+            <a:ext cx="275457" cy="598711"/>
+          </a:xfrm>
+          <a:prstGeom prst="straightConnector1">
+            <a:avLst/>
+          </a:prstGeom>
+          <a:ln>
+            <a:solidFill>
+              <a:schemeClr val="tx1"/>
+            </a:solidFill>
+            <a:headEnd type="none" w="med" len="med"/>
+            <a:tailEnd type="triangle"/>
+          </a:ln>
+        </p:spPr>
+        <p:style>
+          <a:lnRef idx="1">
+            <a:schemeClr val="accent1"/>
+          </a:lnRef>
+          <a:fillRef idx="0">
+            <a:schemeClr val="accent1"/>
+          </a:fillRef>
+          <a:effectRef idx="0">
+            <a:schemeClr val="accent1"/>
+          </a:effectRef>
+          <a:fontRef idx="minor">
+            <a:schemeClr val="tx1"/>
+          </a:fontRef>
+        </p:style>
+      </p:cxnSp>
+      <p:sp>
+        <p:nvSpPr>
+          <p:cNvPr id="16" name="テキスト ボックス 15"/>
+          <p:cNvSpPr txBox="1"/>
+          <p:nvPr/>
+        </p:nvSpPr>
+        <p:spPr>
+          <a:xfrm>
+            <a:off x="539552" y="5631631"/>
+            <a:ext cx="8186857" cy="461665"/>
+          </a:xfrm>
+          <a:prstGeom prst="rect">
+            <a:avLst/>
+          </a:prstGeom>
+          <a:noFill/>
+        </p:spPr>
+        <p:txBody>
+          <a:bodyPr wrap="none" rtlCol="0">
+            <a:spAutoFit/>
+          </a:bodyPr>
+          <a:lstStyle/>
+          <a:p>
+            <a:r>
+              <a:rPr lang="ja-JP" altLang="en-US" sz="2400" dirty="0" smtClean="0"/>
+              <a:t>文字列の一部に、正規表現が表す文字列集合の要素を発見</a:t>
+            </a:r>
+            <a:endParaRPr kumimoji="1" lang="ja-JP" altLang="en-US" sz="2400" dirty="0"/>
+          </a:p>
+        </p:txBody>
+      </p:sp>
+      <p:sp>
+        <p:nvSpPr>
+          <p:cNvPr id="17" name="テキスト ボックス 16"/>
+          <p:cNvSpPr txBox="1"/>
+          <p:nvPr/>
+        </p:nvSpPr>
+        <p:spPr>
+          <a:xfrm>
+            <a:off x="3149601" y="267855"/>
+            <a:ext cx="2954655" cy="646331"/>
+          </a:xfrm>
+          <a:prstGeom prst="rect">
+            <a:avLst/>
+          </a:prstGeom>
+          <a:noFill/>
+        </p:spPr>
+        <p:txBody>
+          <a:bodyPr wrap="none" rtlCol="0">
+            <a:spAutoFit/>
+          </a:bodyPr>
+          <a:lstStyle/>
+          <a:p>
+            <a:r>
+              <a:rPr lang="ja-JP" altLang="en-US" sz="3600" dirty="0" smtClean="0"/>
+              <a:t>正規表現とは</a:t>
+            </a:r>
+            <a:endParaRPr kumimoji="1" lang="ja-JP" altLang="en-US" sz="3600" dirty="0"/>
+          </a:p>
+        </p:txBody>
+      </p:sp>
+    </p:spTree>
+    <p:extLst>
+      <p:ext uri="{BB962C8B-B14F-4D97-AF65-F5344CB8AC3E}">
+        <p14:creationId xmlns:p14="http://schemas.microsoft.com/office/powerpoint/2010/main" val="4162976921"/>
+      </p:ext>
+    </p:extLst>
+  </p:cSld>
+  <p:clrMapOvr>
+    <a:masterClrMapping/>
+  </p:clrMapOvr>
+</p:sld>
+</file>
+
+<file path=ppt/slides/slide5.xml><?xml version="1.0" encoding="utf-8"?>
+<p:sld xmlns:a="http://schemas.openxmlformats.org/drawingml/2006/main" xmlns:r="http://schemas.openxmlformats.org/officeDocument/2006/relationships" xmlns:p="http://schemas.openxmlformats.org/presentationml/2006/main">
+  <p:cSld>
+    <p:spTree>
+      <p:nvGrpSpPr>
+        <p:cNvPr id="1" name=""/>
+        <p:cNvGrpSpPr/>
+        <p:nvPr/>
+      </p:nvGrpSpPr>
+      <p:grpSpPr>
+        <a:xfrm>
+          <a:off x="0" y="0"/>
+          <a:ext cx="0" cy="0"/>
+          <a:chOff x="0" y="0"/>
+          <a:chExt cx="0" cy="0"/>
+        </a:xfrm>
+      </p:grpSpPr>
+      <p:sp>
+        <p:nvSpPr>
           <p:cNvPr id="2" name="テキスト ボックス 1"/>
           <p:cNvSpPr txBox="1"/>
           <p:nvPr/>
